--- a/MersProject/LabMeetingPresentation.pptx
+++ b/MersProject/LabMeetingPresentation.pptx
@@ -126,6 +126,11 @@
       </a:defRPr>
     </a:lvl9pPr>
   </p:defaultTextStyle>
+  <p:extLst>
+    <p:ext uri="{EFAFB233-063F-42B5-8137-9DF3F51BA10A}">
+      <p15:sldGuideLst xmlns:p15="http://schemas.microsoft.com/office/powerpoint/2012/main"/>
+    </p:ext>
+  </p:extLst>
 </p:presentation>
 </file>
 
@@ -211,7 +216,7 @@
           <a:p>
             <a:fld id="{136FA2C8-1A04-C04C-AAB5-5AEF43C22034}" type="datetimeFigureOut">
               <a:rPr lang="en-US" smtClean="0"/>
-              <a:t>8/23/18</a:t>
+              <a:t>8/27/2018</a:t>
             </a:fld>
             <a:endParaRPr lang="en-US"/>
           </a:p>
@@ -275,38 +280,37 @@
           <a:p>
             <a:pPr lvl="0"/>
             <a:r>
-              <a:rPr lang="en-US" smtClean="0"/>
+              <a:rPr lang="en-US"/>
               <a:t>Click to edit Master text styles</a:t>
             </a:r>
           </a:p>
           <a:p>
             <a:pPr lvl="1"/>
             <a:r>
-              <a:rPr lang="en-US" smtClean="0"/>
+              <a:rPr lang="en-US"/>
               <a:t>Second level</a:t>
             </a:r>
           </a:p>
           <a:p>
             <a:pPr lvl="2"/>
             <a:r>
-              <a:rPr lang="en-US" smtClean="0"/>
+              <a:rPr lang="en-US"/>
               <a:t>Third level</a:t>
             </a:r>
           </a:p>
           <a:p>
             <a:pPr lvl="3"/>
             <a:r>
-              <a:rPr lang="en-US" smtClean="0"/>
+              <a:rPr lang="en-US"/>
               <a:t>Fourth level</a:t>
             </a:r>
           </a:p>
           <a:p>
             <a:pPr lvl="4"/>
             <a:r>
-              <a:rPr lang="en-US" smtClean="0"/>
+              <a:rPr lang="en-US"/>
               <a:t>Fifth level</a:t>
             </a:r>
-            <a:endParaRPr lang="en-US"/>
           </a:p>
         </p:txBody>
       </p:sp>
@@ -948,7 +952,7 @@
               <a:buChar char="•"/>
             </a:pPr>
             <a:r>
-              <a:rPr lang="en-US" dirty="0" smtClean="0"/>
+              <a:rPr lang="en-US" dirty="0"/>
               <a:t>Nature of all Inputs:</a:t>
             </a:r>
           </a:p>
@@ -958,7 +962,7 @@
               <a:buChar char="•"/>
             </a:pPr>
             <a:r>
-              <a:rPr lang="en-US" dirty="0" smtClean="0"/>
+              <a:rPr lang="en-US" dirty="0"/>
               <a:t>Purpose</a:t>
             </a:r>
           </a:p>
@@ -968,7 +972,7 @@
               <a:buChar char="•"/>
             </a:pPr>
             <a:r>
-              <a:rPr lang="en-US" dirty="0" smtClean="0"/>
+              <a:rPr lang="en-US" dirty="0"/>
               <a:t>Limitations</a:t>
             </a:r>
           </a:p>
@@ -978,7 +982,7 @@
               <a:buChar char="•"/>
             </a:pPr>
             <a:r>
-              <a:rPr lang="en-US" dirty="0" smtClean="0"/>
+              <a:rPr lang="en-US" dirty="0"/>
               <a:t>Nature of Output</a:t>
             </a:r>
           </a:p>
@@ -988,7 +992,7 @@
               <a:buChar char="•"/>
             </a:pPr>
             <a:r>
-              <a:rPr lang="en-US" dirty="0" smtClean="0"/>
+              <a:rPr lang="en-US" dirty="0"/>
               <a:t>Demonstrate Changing of inputs and its effect on output</a:t>
             </a:r>
           </a:p>
@@ -1078,11 +1082,11 @@
           <a:lstStyle/>
           <a:p>
             <a:r>
-              <a:rPr lang="en-US" dirty="0" smtClean="0"/>
+              <a:rPr lang="en-US" dirty="0"/>
               <a:t>Define linear,</a:t>
             </a:r>
             <a:r>
-              <a:rPr lang="en-US" baseline="0" dirty="0" smtClean="0"/>
+              <a:rPr lang="en-US" baseline="0" dirty="0"/>
               <a:t> cis and trans</a:t>
             </a:r>
             <a:endParaRPr lang="en-US" dirty="0"/>
@@ -1254,11 +1258,11 @@
           <a:lstStyle/>
           <a:p>
             <a:r>
-              <a:rPr lang="en-US" dirty="0" smtClean="0"/>
+              <a:rPr lang="en-US" dirty="0"/>
               <a:t>Mention Overlap after</a:t>
             </a:r>
             <a:r>
-              <a:rPr lang="en-US" baseline="0" dirty="0" smtClean="0"/>
+              <a:rPr lang="en-US" baseline="0" dirty="0"/>
               <a:t> logic is shown</a:t>
             </a:r>
             <a:endParaRPr lang="en-US" dirty="0"/>
@@ -1513,7 +1517,7 @@
           </a:lstStyle>
           <a:p>
             <a:r>
-              <a:rPr lang="en-US" smtClean="0"/>
+              <a:rPr lang="en-US"/>
               <a:t>Click to edit Master title style</a:t>
             </a:r>
             <a:endParaRPr lang="en-US" dirty="0"/>
@@ -1633,7 +1637,7 @@
           </a:lstStyle>
           <a:p>
             <a:r>
-              <a:rPr lang="en-US" smtClean="0"/>
+              <a:rPr lang="en-US"/>
               <a:t>Click to edit Master subtitle style</a:t>
             </a:r>
             <a:endParaRPr lang="en-US" dirty="0"/>
@@ -1657,7 +1661,7 @@
           <a:p>
             <a:fld id="{C65CC5F2-8C20-4D41-A30F-E08EA3FD74AE}" type="datetimeFigureOut">
               <a:rPr lang="en-US" smtClean="0"/>
-              <a:t>8/23/18</a:t>
+              <a:t>8/27/2018</a:t>
             </a:fld>
             <a:endParaRPr lang="en-US"/>
           </a:p>
@@ -1844,7 +1848,7 @@
           </a:lstStyle>
           <a:p>
             <a:r>
-              <a:rPr lang="en-US" smtClean="0"/>
+              <a:rPr lang="en-US"/>
               <a:t>Click to edit Master title style</a:t>
             </a:r>
             <a:endParaRPr lang="en-US" dirty="0"/>
@@ -1967,7 +1971,7 @@
           <a:p>
             <a:pPr lvl="0"/>
             <a:r>
-              <a:rPr lang="en-US" smtClean="0"/>
+              <a:rPr lang="en-US"/>
               <a:t>Click to edit Master text styles</a:t>
             </a:r>
           </a:p>
@@ -1990,7 +1994,7 @@
           <a:p>
             <a:fld id="{C65CC5F2-8C20-4D41-A30F-E08EA3FD74AE}" type="datetimeFigureOut">
               <a:rPr lang="en-US" smtClean="0"/>
-              <a:t>8/23/18</a:t>
+              <a:t>8/27/2018</a:t>
             </a:fld>
             <a:endParaRPr lang="en-US"/>
           </a:p>
@@ -2177,7 +2181,7 @@
           </a:lstStyle>
           <a:p>
             <a:r>
-              <a:rPr lang="en-US" smtClean="0"/>
+              <a:rPr lang="en-US"/>
               <a:t>Click to edit Master title style</a:t>
             </a:r>
             <a:endParaRPr lang="en-US" dirty="0"/>
@@ -2241,7 +2245,7 @@
           <a:p>
             <a:pPr lvl="0"/>
             <a:r>
-              <a:rPr lang="en-US" smtClean="0"/>
+              <a:rPr lang="en-US"/>
               <a:t>Click to edit Master text styles</a:t>
             </a:r>
           </a:p>
@@ -2363,7 +2367,7 @@
           <a:p>
             <a:pPr lvl="0"/>
             <a:r>
-              <a:rPr lang="en-US" smtClean="0"/>
+              <a:rPr lang="en-US"/>
               <a:t>Click to edit Master text styles</a:t>
             </a:r>
           </a:p>
@@ -2386,7 +2390,7 @@
           <a:p>
             <a:fld id="{C65CC5F2-8C20-4D41-A30F-E08EA3FD74AE}" type="datetimeFigureOut">
               <a:rPr lang="en-US" smtClean="0"/>
-              <a:t>8/23/18</a:t>
+              <a:t>8/27/2018</a:t>
             </a:fld>
             <a:endParaRPr lang="en-US"/>
           </a:p>
@@ -2649,7 +2653,7 @@
           </a:lstStyle>
           <a:p>
             <a:r>
-              <a:rPr lang="en-US" smtClean="0"/>
+              <a:rPr lang="en-US"/>
               <a:t>Click to edit Master title style</a:t>
             </a:r>
             <a:endParaRPr lang="en-US" dirty="0"/>
@@ -2694,7 +2698,7 @@
               <a:buNone/>
             </a:pPr>
             <a:r>
-              <a:rPr lang="en-US" smtClean="0"/>
+              <a:rPr lang="en-US"/>
               <a:t>Click to edit Master text styles</a:t>
             </a:r>
           </a:p>
@@ -2717,7 +2721,7 @@
           <a:p>
             <a:fld id="{C65CC5F2-8C20-4D41-A30F-E08EA3FD74AE}" type="datetimeFigureOut">
               <a:rPr lang="en-US" smtClean="0"/>
-              <a:t>8/23/18</a:t>
+              <a:t>8/27/2018</a:t>
             </a:fld>
             <a:endParaRPr lang="en-US"/>
           </a:p>
@@ -2904,7 +2908,7 @@
           </a:lstStyle>
           <a:p>
             <a:r>
-              <a:rPr lang="en-US" smtClean="0"/>
+              <a:rPr lang="en-US"/>
               <a:t>Click to edit Master title style</a:t>
             </a:r>
             <a:endParaRPr lang="en-US" dirty="0"/>
@@ -2965,7 +2969,7 @@
           <a:p>
             <a:pPr lvl="0"/>
             <a:r>
-              <a:rPr lang="en-US" smtClean="0"/>
+              <a:rPr lang="en-US"/>
               <a:t>Click to edit Master text styles</a:t>
             </a:r>
           </a:p>
@@ -3009,7 +3013,7 @@
               <a:buNone/>
             </a:pPr>
             <a:r>
-              <a:rPr lang="en-US" smtClean="0"/>
+              <a:rPr lang="en-US"/>
               <a:t>Click to edit Master text styles</a:t>
             </a:r>
           </a:p>
@@ -3032,7 +3036,7 @@
           <a:p>
             <a:fld id="{C65CC5F2-8C20-4D41-A30F-E08EA3FD74AE}" type="datetimeFigureOut">
               <a:rPr lang="en-US" smtClean="0"/>
-              <a:t>8/23/18</a:t>
+              <a:t>8/27/2018</a:t>
             </a:fld>
             <a:endParaRPr lang="en-US"/>
           </a:p>
@@ -3295,7 +3299,7 @@
           </a:lstStyle>
           <a:p>
             <a:r>
-              <a:rPr lang="en-US" smtClean="0"/>
+              <a:rPr lang="en-US"/>
               <a:t>Click to edit Master title style</a:t>
             </a:r>
             <a:endParaRPr lang="en-US" dirty="0"/>
@@ -3356,7 +3360,7 @@
           <a:p>
             <a:pPr lvl="0"/>
             <a:r>
-              <a:rPr lang="en-US" smtClean="0"/>
+              <a:rPr lang="en-US"/>
               <a:t>Click to edit Master text styles</a:t>
             </a:r>
           </a:p>
@@ -3400,7 +3404,7 @@
               <a:buNone/>
             </a:pPr>
             <a:r>
-              <a:rPr lang="en-US" smtClean="0"/>
+              <a:rPr lang="en-US"/>
               <a:t>Click to edit Master text styles</a:t>
             </a:r>
           </a:p>
@@ -3423,7 +3427,7 @@
           <a:p>
             <a:fld id="{C65CC5F2-8C20-4D41-A30F-E08EA3FD74AE}" type="datetimeFigureOut">
               <a:rPr lang="en-US" smtClean="0"/>
-              <a:t>8/23/18</a:t>
+              <a:t>8/27/2018</a:t>
             </a:fld>
             <a:endParaRPr lang="en-US"/>
           </a:p>
@@ -3599,7 +3603,7 @@
           <a:lstStyle/>
           <a:p>
             <a:r>
-              <a:rPr lang="en-US" smtClean="0"/>
+              <a:rPr lang="en-US"/>
               <a:t>Click to edit Master title style</a:t>
             </a:r>
             <a:endParaRPr lang="en-US" dirty="0"/>
@@ -3623,35 +3627,35 @@
           <a:p>
             <a:pPr lvl="0"/>
             <a:r>
-              <a:rPr lang="en-US" smtClean="0"/>
+              <a:rPr lang="en-US"/>
               <a:t>Click to edit Master text styles</a:t>
             </a:r>
           </a:p>
           <a:p>
             <a:pPr lvl="1"/>
             <a:r>
-              <a:rPr lang="en-US" smtClean="0"/>
+              <a:rPr lang="en-US"/>
               <a:t>Second level</a:t>
             </a:r>
           </a:p>
           <a:p>
             <a:pPr lvl="2"/>
             <a:r>
-              <a:rPr lang="en-US" smtClean="0"/>
+              <a:rPr lang="en-US"/>
               <a:t>Third level</a:t>
             </a:r>
           </a:p>
           <a:p>
             <a:pPr lvl="3"/>
             <a:r>
-              <a:rPr lang="en-US" smtClean="0"/>
+              <a:rPr lang="en-US"/>
               <a:t>Fourth level</a:t>
             </a:r>
           </a:p>
           <a:p>
             <a:pPr lvl="4"/>
             <a:r>
-              <a:rPr lang="en-US" smtClean="0"/>
+              <a:rPr lang="en-US"/>
               <a:t>Fifth level</a:t>
             </a:r>
             <a:endParaRPr lang="en-US" dirty="0"/>
@@ -3675,7 +3679,7 @@
           <a:p>
             <a:fld id="{C65CC5F2-8C20-4D41-A30F-E08EA3FD74AE}" type="datetimeFigureOut">
               <a:rPr lang="en-US" smtClean="0"/>
-              <a:t>8/23/18</a:t>
+              <a:t>8/27/2018</a:t>
             </a:fld>
             <a:endParaRPr lang="en-US"/>
           </a:p>
@@ -3851,7 +3855,7 @@
           <a:lstStyle/>
           <a:p>
             <a:r>
-              <a:rPr lang="en-US" smtClean="0"/>
+              <a:rPr lang="en-US"/>
               <a:t>Click to edit Master title style</a:t>
             </a:r>
             <a:endParaRPr lang="en-US" dirty="0"/>
@@ -3880,35 +3884,35 @@
           <a:p>
             <a:pPr lvl="0"/>
             <a:r>
-              <a:rPr lang="en-US" smtClean="0"/>
+              <a:rPr lang="en-US"/>
               <a:t>Click to edit Master text styles</a:t>
             </a:r>
           </a:p>
           <a:p>
             <a:pPr lvl="1"/>
             <a:r>
-              <a:rPr lang="en-US" smtClean="0"/>
+              <a:rPr lang="en-US"/>
               <a:t>Second level</a:t>
             </a:r>
           </a:p>
           <a:p>
             <a:pPr lvl="2"/>
             <a:r>
-              <a:rPr lang="en-US" smtClean="0"/>
+              <a:rPr lang="en-US"/>
               <a:t>Third level</a:t>
             </a:r>
           </a:p>
           <a:p>
             <a:pPr lvl="3"/>
             <a:r>
-              <a:rPr lang="en-US" smtClean="0"/>
+              <a:rPr lang="en-US"/>
               <a:t>Fourth level</a:t>
             </a:r>
           </a:p>
           <a:p>
             <a:pPr lvl="4"/>
             <a:r>
-              <a:rPr lang="en-US" smtClean="0"/>
+              <a:rPr lang="en-US"/>
               <a:t>Fifth level</a:t>
             </a:r>
             <a:endParaRPr lang="en-US" dirty="0"/>
@@ -3932,7 +3936,7 @@
           <a:p>
             <a:fld id="{C65CC5F2-8C20-4D41-A30F-E08EA3FD74AE}" type="datetimeFigureOut">
               <a:rPr lang="en-US" smtClean="0"/>
-              <a:t>8/23/18</a:t>
+              <a:t>8/27/2018</a:t>
             </a:fld>
             <a:endParaRPr lang="en-US"/>
           </a:p>
@@ -4108,7 +4112,7 @@
           <a:lstStyle/>
           <a:p>
             <a:r>
-              <a:rPr lang="en-US" smtClean="0"/>
+              <a:rPr lang="en-US"/>
               <a:t>Click to edit Master title style</a:t>
             </a:r>
             <a:endParaRPr lang="en-US" dirty="0"/>
@@ -4137,35 +4141,35 @@
           <a:p>
             <a:pPr lvl="0"/>
             <a:r>
-              <a:rPr lang="en-US" smtClean="0"/>
+              <a:rPr lang="en-US"/>
               <a:t>Click to edit Master text styles</a:t>
             </a:r>
           </a:p>
           <a:p>
             <a:pPr lvl="1"/>
             <a:r>
-              <a:rPr lang="en-US" smtClean="0"/>
+              <a:rPr lang="en-US"/>
               <a:t>Second level</a:t>
             </a:r>
           </a:p>
           <a:p>
             <a:pPr lvl="2"/>
             <a:r>
-              <a:rPr lang="en-US" smtClean="0"/>
+              <a:rPr lang="en-US"/>
               <a:t>Third level</a:t>
             </a:r>
           </a:p>
           <a:p>
             <a:pPr lvl="3"/>
             <a:r>
-              <a:rPr lang="en-US" smtClean="0"/>
+              <a:rPr lang="en-US"/>
               <a:t>Fourth level</a:t>
             </a:r>
           </a:p>
           <a:p>
             <a:pPr lvl="4"/>
             <a:r>
-              <a:rPr lang="en-US" smtClean="0"/>
+              <a:rPr lang="en-US"/>
               <a:t>Fifth level</a:t>
             </a:r>
             <a:endParaRPr lang="en-US" dirty="0"/>
@@ -4189,7 +4193,7 @@
           <a:p>
             <a:fld id="{C65CC5F2-8C20-4D41-A30F-E08EA3FD74AE}" type="datetimeFigureOut">
               <a:rPr lang="en-US" smtClean="0"/>
-              <a:t>8/23/18</a:t>
+              <a:t>8/27/2018</a:t>
             </a:fld>
             <a:endParaRPr lang="en-US"/>
           </a:p>
@@ -4369,7 +4373,7 @@
           </a:lstStyle>
           <a:p>
             <a:r>
-              <a:rPr lang="en-US" smtClean="0"/>
+              <a:rPr lang="en-US"/>
               <a:t>Click to edit Master title style</a:t>
             </a:r>
             <a:endParaRPr lang="en-US" dirty="0"/>
@@ -4490,7 +4494,7 @@
           <a:p>
             <a:pPr lvl="0"/>
             <a:r>
-              <a:rPr lang="en-US" smtClean="0"/>
+              <a:rPr lang="en-US"/>
               <a:t>Click to edit Master text styles</a:t>
             </a:r>
           </a:p>
@@ -4513,7 +4517,7 @@
           <a:p>
             <a:fld id="{C65CC5F2-8C20-4D41-A30F-E08EA3FD74AE}" type="datetimeFigureOut">
               <a:rPr lang="en-US" smtClean="0"/>
-              <a:t>8/23/18</a:t>
+              <a:t>8/27/2018</a:t>
             </a:fld>
             <a:endParaRPr lang="en-US"/>
           </a:p>
@@ -4689,7 +4693,7 @@
           <a:lstStyle/>
           <a:p>
             <a:r>
-              <a:rPr lang="en-US" smtClean="0"/>
+              <a:rPr lang="en-US"/>
               <a:t>Click to edit Master title style</a:t>
             </a:r>
             <a:endParaRPr lang="en-US" dirty="0"/>
@@ -4720,35 +4724,35 @@
           <a:p>
             <a:pPr lvl="0"/>
             <a:r>
-              <a:rPr lang="en-US" smtClean="0"/>
+              <a:rPr lang="en-US"/>
               <a:t>Click to edit Master text styles</a:t>
             </a:r>
           </a:p>
           <a:p>
             <a:pPr lvl="1"/>
             <a:r>
-              <a:rPr lang="en-US" smtClean="0"/>
+              <a:rPr lang="en-US"/>
               <a:t>Second level</a:t>
             </a:r>
           </a:p>
           <a:p>
             <a:pPr lvl="2"/>
             <a:r>
-              <a:rPr lang="en-US" smtClean="0"/>
+              <a:rPr lang="en-US"/>
               <a:t>Third level</a:t>
             </a:r>
           </a:p>
           <a:p>
             <a:pPr lvl="3"/>
             <a:r>
-              <a:rPr lang="en-US" smtClean="0"/>
+              <a:rPr lang="en-US"/>
               <a:t>Fourth level</a:t>
             </a:r>
           </a:p>
           <a:p>
             <a:pPr lvl="4"/>
             <a:r>
-              <a:rPr lang="en-US" smtClean="0"/>
+              <a:rPr lang="en-US"/>
               <a:t>Fifth level</a:t>
             </a:r>
             <a:endParaRPr lang="en-US" dirty="0"/>
@@ -4779,35 +4783,35 @@
           <a:p>
             <a:pPr lvl="0"/>
             <a:r>
-              <a:rPr lang="en-US" smtClean="0"/>
+              <a:rPr lang="en-US"/>
               <a:t>Click to edit Master text styles</a:t>
             </a:r>
           </a:p>
           <a:p>
             <a:pPr lvl="1"/>
             <a:r>
-              <a:rPr lang="en-US" smtClean="0"/>
+              <a:rPr lang="en-US"/>
               <a:t>Second level</a:t>
             </a:r>
           </a:p>
           <a:p>
             <a:pPr lvl="2"/>
             <a:r>
-              <a:rPr lang="en-US" smtClean="0"/>
+              <a:rPr lang="en-US"/>
               <a:t>Third level</a:t>
             </a:r>
           </a:p>
           <a:p>
             <a:pPr lvl="3"/>
             <a:r>
-              <a:rPr lang="en-US" smtClean="0"/>
+              <a:rPr lang="en-US"/>
               <a:t>Fourth level</a:t>
             </a:r>
           </a:p>
           <a:p>
             <a:pPr lvl="4"/>
             <a:r>
-              <a:rPr lang="en-US" smtClean="0"/>
+              <a:rPr lang="en-US"/>
               <a:t>Fifth level</a:t>
             </a:r>
             <a:endParaRPr lang="en-US" dirty="0"/>
@@ -4831,7 +4835,7 @@
           <a:p>
             <a:fld id="{C65CC5F2-8C20-4D41-A30F-E08EA3FD74AE}" type="datetimeFigureOut">
               <a:rPr lang="en-US" smtClean="0"/>
-              <a:t>8/23/18</a:t>
+              <a:t>8/27/2018</a:t>
             </a:fld>
             <a:endParaRPr lang="en-US"/>
           </a:p>
@@ -5007,7 +5011,7 @@
           <a:lstStyle/>
           <a:p>
             <a:r>
-              <a:rPr lang="en-US" smtClean="0"/>
+              <a:rPr lang="en-US"/>
               <a:t>Click to edit Master title style</a:t>
             </a:r>
             <a:endParaRPr lang="en-US" dirty="0"/>
@@ -5075,7 +5079,7 @@
           <a:p>
             <a:pPr lvl="0"/>
             <a:r>
-              <a:rPr lang="en-US" smtClean="0"/>
+              <a:rPr lang="en-US"/>
               <a:t>Click to edit Master text styles</a:t>
             </a:r>
           </a:p>
@@ -5105,35 +5109,35 @@
           <a:p>
             <a:pPr lvl="0"/>
             <a:r>
-              <a:rPr lang="en-US" smtClean="0"/>
+              <a:rPr lang="en-US"/>
               <a:t>Click to edit Master text styles</a:t>
             </a:r>
           </a:p>
           <a:p>
             <a:pPr lvl="1"/>
             <a:r>
-              <a:rPr lang="en-US" smtClean="0"/>
+              <a:rPr lang="en-US"/>
               <a:t>Second level</a:t>
             </a:r>
           </a:p>
           <a:p>
             <a:pPr lvl="2"/>
             <a:r>
-              <a:rPr lang="en-US" smtClean="0"/>
+              <a:rPr lang="en-US"/>
               <a:t>Third level</a:t>
             </a:r>
           </a:p>
           <a:p>
             <a:pPr lvl="3"/>
             <a:r>
-              <a:rPr lang="en-US" smtClean="0"/>
+              <a:rPr lang="en-US"/>
               <a:t>Fourth level</a:t>
             </a:r>
           </a:p>
           <a:p>
             <a:pPr lvl="4"/>
             <a:r>
-              <a:rPr lang="en-US" smtClean="0"/>
+              <a:rPr lang="en-US"/>
               <a:t>Fifth level</a:t>
             </a:r>
             <a:endParaRPr lang="en-US" dirty="0"/>
@@ -5201,7 +5205,7 @@
           <a:p>
             <a:pPr lvl="0"/>
             <a:r>
-              <a:rPr lang="en-US" smtClean="0"/>
+              <a:rPr lang="en-US"/>
               <a:t>Click to edit Master text styles</a:t>
             </a:r>
           </a:p>
@@ -5231,35 +5235,35 @@
           <a:p>
             <a:pPr lvl="0"/>
             <a:r>
-              <a:rPr lang="en-US" smtClean="0"/>
+              <a:rPr lang="en-US"/>
               <a:t>Click to edit Master text styles</a:t>
             </a:r>
           </a:p>
           <a:p>
             <a:pPr lvl="1"/>
             <a:r>
-              <a:rPr lang="en-US" smtClean="0"/>
+              <a:rPr lang="en-US"/>
               <a:t>Second level</a:t>
             </a:r>
           </a:p>
           <a:p>
             <a:pPr lvl="2"/>
             <a:r>
-              <a:rPr lang="en-US" smtClean="0"/>
+              <a:rPr lang="en-US"/>
               <a:t>Third level</a:t>
             </a:r>
           </a:p>
           <a:p>
             <a:pPr lvl="3"/>
             <a:r>
-              <a:rPr lang="en-US" smtClean="0"/>
+              <a:rPr lang="en-US"/>
               <a:t>Fourth level</a:t>
             </a:r>
           </a:p>
           <a:p>
             <a:pPr lvl="4"/>
             <a:r>
-              <a:rPr lang="en-US" smtClean="0"/>
+              <a:rPr lang="en-US"/>
               <a:t>Fifth level</a:t>
             </a:r>
             <a:endParaRPr lang="en-US" dirty="0"/>
@@ -5283,7 +5287,7 @@
           <a:p>
             <a:fld id="{C65CC5F2-8C20-4D41-A30F-E08EA3FD74AE}" type="datetimeFigureOut">
               <a:rPr lang="en-US" smtClean="0"/>
-              <a:t>8/23/18</a:t>
+              <a:t>8/27/2018</a:t>
             </a:fld>
             <a:endParaRPr lang="en-US"/>
           </a:p>
@@ -5459,7 +5463,7 @@
           <a:lstStyle/>
           <a:p>
             <a:r>
-              <a:rPr lang="en-US" smtClean="0"/>
+              <a:rPr lang="en-US"/>
               <a:t>Click to edit Master title style</a:t>
             </a:r>
             <a:endParaRPr lang="en-US" dirty="0"/>
@@ -5483,7 +5487,7 @@
           <a:p>
             <a:fld id="{C65CC5F2-8C20-4D41-A30F-E08EA3FD74AE}" type="datetimeFigureOut">
               <a:rPr lang="en-US" smtClean="0"/>
-              <a:t>8/23/18</a:t>
+              <a:t>8/27/2018</a:t>
             </a:fld>
             <a:endParaRPr lang="en-US"/>
           </a:p>
@@ -5655,7 +5659,7 @@
           <a:p>
             <a:fld id="{C65CC5F2-8C20-4D41-A30F-E08EA3FD74AE}" type="datetimeFigureOut">
               <a:rPr lang="en-US" smtClean="0"/>
-              <a:t>8/23/18</a:t>
+              <a:t>8/27/2018</a:t>
             </a:fld>
             <a:endParaRPr lang="en-US"/>
           </a:p>
@@ -5835,7 +5839,7 @@
           </a:lstStyle>
           <a:p>
             <a:r>
-              <a:rPr lang="en-US" smtClean="0"/>
+              <a:rPr lang="en-US"/>
               <a:t>Click to edit Master title style</a:t>
             </a:r>
             <a:endParaRPr lang="en-US" dirty="0"/>
@@ -5866,35 +5870,35 @@
           <a:p>
             <a:pPr lvl="0"/>
             <a:r>
-              <a:rPr lang="en-US" smtClean="0"/>
+              <a:rPr lang="en-US"/>
               <a:t>Click to edit Master text styles</a:t>
             </a:r>
           </a:p>
           <a:p>
             <a:pPr lvl="1"/>
             <a:r>
-              <a:rPr lang="en-US" smtClean="0"/>
+              <a:rPr lang="en-US"/>
               <a:t>Second level</a:t>
             </a:r>
           </a:p>
           <a:p>
             <a:pPr lvl="2"/>
             <a:r>
-              <a:rPr lang="en-US" smtClean="0"/>
+              <a:rPr lang="en-US"/>
               <a:t>Third level</a:t>
             </a:r>
           </a:p>
           <a:p>
             <a:pPr lvl="3"/>
             <a:r>
-              <a:rPr lang="en-US" smtClean="0"/>
+              <a:rPr lang="en-US"/>
               <a:t>Fourth level</a:t>
             </a:r>
           </a:p>
           <a:p>
             <a:pPr lvl="4"/>
             <a:r>
-              <a:rPr lang="en-US" smtClean="0"/>
+              <a:rPr lang="en-US"/>
               <a:t>Fifth level</a:t>
             </a:r>
             <a:endParaRPr lang="en-US" dirty="0"/>
@@ -5960,7 +5964,7 @@
           <a:p>
             <a:pPr lvl="0"/>
             <a:r>
-              <a:rPr lang="en-US" smtClean="0"/>
+              <a:rPr lang="en-US"/>
               <a:t>Click to edit Master text styles</a:t>
             </a:r>
           </a:p>
@@ -5983,7 +5987,7 @@
           <a:p>
             <a:fld id="{C65CC5F2-8C20-4D41-A30F-E08EA3FD74AE}" type="datetimeFigureOut">
               <a:rPr lang="en-US" smtClean="0"/>
-              <a:t>8/23/18</a:t>
+              <a:t>8/27/2018</a:t>
             </a:fld>
             <a:endParaRPr lang="en-US"/>
           </a:p>
@@ -6165,7 +6169,7 @@
           </a:lstStyle>
           <a:p>
             <a:r>
-              <a:rPr lang="en-US" smtClean="0"/>
+              <a:rPr lang="en-US"/>
               <a:t>Click to edit Master title style</a:t>
             </a:r>
             <a:endParaRPr lang="en-US" dirty="0"/>
@@ -6232,7 +6236,7 @@
           </a:lstStyle>
           <a:p>
             <a:r>
-              <a:rPr lang="en-US" smtClean="0"/>
+              <a:rPr lang="en-US"/>
               <a:t>Drag picture to placeholder or click icon to add</a:t>
             </a:r>
             <a:endParaRPr lang="en-US" dirty="0"/>
@@ -6300,7 +6304,7 @@
           <a:p>
             <a:pPr lvl="0"/>
             <a:r>
-              <a:rPr lang="en-US" smtClean="0"/>
+              <a:rPr lang="en-US"/>
               <a:t>Click to edit Master text styles</a:t>
             </a:r>
           </a:p>
@@ -6323,7 +6327,7 @@
           <a:p>
             <a:fld id="{C65CC5F2-8C20-4D41-A30F-E08EA3FD74AE}" type="datetimeFigureOut">
               <a:rPr lang="en-US" smtClean="0"/>
-              <a:t>8/23/18</a:t>
+              <a:t>8/27/2018</a:t>
             </a:fld>
             <a:endParaRPr lang="en-US"/>
           </a:p>
@@ -8331,7 +8335,7 @@
           <a:lstStyle/>
           <a:p>
             <a:r>
-              <a:rPr lang="en-US" smtClean="0"/>
+              <a:rPr lang="en-US"/>
               <a:t>Click to edit Master title style</a:t>
             </a:r>
             <a:endParaRPr lang="en-US" dirty="0"/>
@@ -8365,35 +8369,35 @@
           <a:p>
             <a:pPr lvl="0"/>
             <a:r>
-              <a:rPr lang="en-US" smtClean="0"/>
+              <a:rPr lang="en-US"/>
               <a:t>Click to edit Master text styles</a:t>
             </a:r>
           </a:p>
           <a:p>
             <a:pPr lvl="1"/>
             <a:r>
-              <a:rPr lang="en-US" smtClean="0"/>
+              <a:rPr lang="en-US"/>
               <a:t>Second level</a:t>
             </a:r>
           </a:p>
           <a:p>
             <a:pPr lvl="2"/>
             <a:r>
-              <a:rPr lang="en-US" smtClean="0"/>
+              <a:rPr lang="en-US"/>
               <a:t>Third level</a:t>
             </a:r>
           </a:p>
           <a:p>
             <a:pPr lvl="3"/>
             <a:r>
-              <a:rPr lang="en-US" smtClean="0"/>
+              <a:rPr lang="en-US"/>
               <a:t>Fourth level</a:t>
             </a:r>
           </a:p>
           <a:p>
             <a:pPr lvl="4"/>
             <a:r>
-              <a:rPr lang="en-US" smtClean="0"/>
+              <a:rPr lang="en-US"/>
               <a:t>Fifth level</a:t>
             </a:r>
             <a:endParaRPr lang="en-US" dirty="0"/>
@@ -8435,7 +8439,7 @@
           <a:p>
             <a:fld id="{C65CC5F2-8C20-4D41-A30F-E08EA3FD74AE}" type="datetimeFigureOut">
               <a:rPr lang="en-US" smtClean="0"/>
-              <a:t>8/23/18</a:t>
+              <a:t>8/27/2018</a:t>
             </a:fld>
             <a:endParaRPr lang="en-US"/>
           </a:p>
@@ -8969,10 +8973,9 @@
           <a:lstStyle/>
           <a:p>
             <a:r>
-              <a:rPr lang="en-US" dirty="0" smtClean="0"/>
+              <a:rPr lang="en-US" dirty="0"/>
               <a:t>Peptide Splicing Program</a:t>
             </a:r>
-            <a:endParaRPr lang="en-US" dirty="0"/>
           </a:p>
         </p:txBody>
       </p:sp>
@@ -8992,18 +8995,9 @@
           <a:lstStyle/>
           <a:p>
             <a:r>
-              <a:rPr lang="en-US" dirty="0" smtClean="0"/>
-              <a:t>Nic Chapman and </a:t>
-            </a:r>
-            <a:r>
-              <a:rPr lang="en-US" dirty="0" err="1" smtClean="0"/>
-              <a:t>Arpit</a:t>
-            </a:r>
-            <a:r>
-              <a:rPr lang="en-US" dirty="0" smtClean="0"/>
-              <a:t> Singh</a:t>
-            </a:r>
-            <a:endParaRPr lang="en-US" dirty="0"/>
+              <a:rPr lang="en-US" dirty="0"/>
+              <a:t>Nic Chapman and Arpit Bajaj</a:t>
+            </a:r>
           </a:p>
         </p:txBody>
       </p:sp>
@@ -9017,13 +9011,6 @@
   <p:clrMapOvr>
     <a:masterClrMapping/>
   </p:clrMapOvr>
-  <p:timing>
-    <p:tnLst>
-      <p:par>
-        <p:cTn id="1" dur="indefinite" restart="never" nodeType="tmRoot"/>
-      </p:par>
-    </p:tnLst>
-  </p:timing>
 </p:sld>
 </file>
 
@@ -9060,10 +9047,9 @@
           <a:lstStyle/>
           <a:p>
             <a:r>
-              <a:rPr lang="en-US" dirty="0" smtClean="0"/>
+              <a:rPr lang="en-US" dirty="0"/>
               <a:t>Cis and Trans Logic</a:t>
             </a:r>
-            <a:endParaRPr lang="en-US" dirty="0"/>
           </a:p>
         </p:txBody>
       </p:sp>
@@ -9083,38 +9069,37 @@
           <a:lstStyle/>
           <a:p>
             <a:r>
-              <a:rPr lang="en-US" dirty="0" smtClean="0"/>
+              <a:rPr lang="en-US" dirty="0"/>
               <a:t>Involves recombining linearly spliced peptides</a:t>
             </a:r>
           </a:p>
           <a:p>
             <a:r>
-              <a:rPr lang="en-US" dirty="0" smtClean="0"/>
+              <a:rPr lang="en-US" dirty="0"/>
               <a:t>Only one difference:</a:t>
             </a:r>
           </a:p>
           <a:p>
             <a:pPr lvl="1"/>
             <a:r>
-              <a:rPr lang="en-US" dirty="0" smtClean="0"/>
+              <a:rPr lang="en-US" dirty="0"/>
               <a:t>For trans we concatenate all proteins in the input file before recombining</a:t>
             </a:r>
           </a:p>
           <a:p>
             <a:pPr lvl="1"/>
             <a:r>
-              <a:rPr lang="en-US" dirty="0" smtClean="0"/>
+              <a:rPr lang="en-US" dirty="0"/>
               <a:t>Cis we only </a:t>
             </a:r>
             <a:r>
-              <a:rPr lang="en-US" dirty="0" err="1" smtClean="0"/>
+              <a:rPr lang="en-US" dirty="0" err="1"/>
               <a:t>analyse</a:t>
             </a:r>
             <a:r>
-              <a:rPr lang="en-US" dirty="0" smtClean="0"/>
+              <a:rPr lang="en-US" dirty="0"/>
               <a:t> one protein at a time</a:t>
             </a:r>
-            <a:endParaRPr lang="en-US" dirty="0"/>
           </a:p>
         </p:txBody>
       </p:sp>
@@ -9128,13 +9113,6 @@
   <p:clrMapOvr>
     <a:masterClrMapping/>
   </p:clrMapOvr>
-  <p:timing>
-    <p:tnLst>
-      <p:par>
-        <p:cTn id="1" dur="indefinite" restart="never" nodeType="tmRoot"/>
-      </p:par>
-    </p:tnLst>
-  </p:timing>
 </p:sld>
 </file>
 
@@ -9171,10 +9149,9 @@
           <a:lstStyle/>
           <a:p>
             <a:r>
-              <a:rPr lang="en-US" dirty="0" smtClean="0"/>
+              <a:rPr lang="en-US" dirty="0"/>
               <a:t>Cis and Tran Spliced Example</a:t>
             </a:r>
-            <a:endParaRPr lang="en-US" dirty="0"/>
           </a:p>
         </p:txBody>
       </p:sp>
@@ -9201,7 +9178,7 @@
           <a:lstStyle/>
           <a:p>
             <a:r>
-              <a:rPr lang="en-US" smtClean="0"/>
+              <a:rPr lang="en-US"/>
               <a:t>Starting Protein: NEDLR</a:t>
             </a:r>
             <a:endParaRPr lang="en-US" dirty="0"/>
@@ -9231,10 +9208,9 @@
           <a:lstStyle/>
           <a:p>
             <a:r>
-              <a:rPr lang="en-US" dirty="0" smtClean="0"/>
+              <a:rPr lang="en-US" dirty="0"/>
               <a:t>NE</a:t>
             </a:r>
-            <a:endParaRPr lang="en-US" dirty="0"/>
           </a:p>
         </p:txBody>
       </p:sp>
@@ -9247,7 +9223,7 @@
         <p:spPr>
           <a:xfrm>
             <a:off x="3086015" y="4356212"/>
-            <a:ext cx="854721" cy="369332"/>
+            <a:ext cx="667170" cy="369332"/>
           </a:xfrm>
           <a:prstGeom prst="rect">
             <a:avLst/>
@@ -9261,10 +9237,9 @@
           <a:lstStyle/>
           <a:p>
             <a:r>
-              <a:rPr lang="en-US" dirty="0" smtClean="0"/>
-              <a:t>+ NED</a:t>
-            </a:r>
-            <a:endParaRPr lang="en-US" dirty="0"/>
+              <a:rPr lang="en-US" dirty="0"/>
+              <a:t>+ DL</a:t>
+            </a:r>
           </a:p>
         </p:txBody>
       </p:sp>
@@ -9291,10 +9266,9 @@
           <a:lstStyle/>
           <a:p>
             <a:r>
-              <a:rPr lang="en-US" dirty="0" smtClean="0"/>
+              <a:rPr lang="en-US" dirty="0"/>
               <a:t>NEDL</a:t>
             </a:r>
-            <a:endParaRPr lang="en-US" dirty="0"/>
           </a:p>
         </p:txBody>
       </p:sp>
@@ -9321,10 +9295,9 @@
           <a:lstStyle/>
           <a:p>
             <a:r>
-              <a:rPr lang="en-US" dirty="0" smtClean="0"/>
+              <a:rPr lang="en-US" dirty="0"/>
               <a:t>NEDLR</a:t>
             </a:r>
-            <a:endParaRPr lang="en-US" dirty="0"/>
           </a:p>
         </p:txBody>
       </p:sp>
@@ -9350,10 +9323,9 @@
           <a:lstStyle/>
           <a:p>
             <a:r>
-              <a:rPr lang="en-US" dirty="0" smtClean="0"/>
+              <a:rPr lang="en-US" dirty="0"/>
               <a:t>ED</a:t>
             </a:r>
-            <a:endParaRPr lang="en-US" dirty="0"/>
           </a:p>
         </p:txBody>
       </p:sp>
@@ -9379,10 +9351,9 @@
           <a:lstStyle/>
           <a:p>
             <a:r>
-              <a:rPr lang="en-US" dirty="0" smtClean="0"/>
+              <a:rPr lang="en-US" dirty="0"/>
               <a:t>EDL</a:t>
             </a:r>
-            <a:endParaRPr lang="en-US" dirty="0"/>
           </a:p>
         </p:txBody>
       </p:sp>
@@ -9408,10 +9379,9 @@
           <a:lstStyle/>
           <a:p>
             <a:r>
-              <a:rPr lang="en-US" dirty="0" smtClean="0"/>
+              <a:rPr lang="en-US" dirty="0"/>
               <a:t>EDLR</a:t>
             </a:r>
-            <a:endParaRPr lang="en-US" dirty="0"/>
           </a:p>
         </p:txBody>
       </p:sp>
@@ -9437,10 +9407,9 @@
           <a:lstStyle/>
           <a:p>
             <a:r>
-              <a:rPr lang="en-US" dirty="0" smtClean="0"/>
+              <a:rPr lang="en-US" dirty="0"/>
               <a:t>DL</a:t>
             </a:r>
-            <a:endParaRPr lang="en-US" dirty="0"/>
           </a:p>
         </p:txBody>
       </p:sp>
@@ -9466,10 +9435,9 @@
           <a:lstStyle/>
           <a:p>
             <a:r>
-              <a:rPr lang="en-US" dirty="0" smtClean="0"/>
+              <a:rPr lang="en-US" dirty="0"/>
               <a:t>DLR</a:t>
             </a:r>
-            <a:endParaRPr lang="en-US" dirty="0"/>
           </a:p>
         </p:txBody>
       </p:sp>
@@ -9495,10 +9463,9 @@
           <a:lstStyle/>
           <a:p>
             <a:r>
-              <a:rPr lang="en-US" dirty="0" smtClean="0"/>
+              <a:rPr lang="en-US" dirty="0"/>
               <a:t>LR</a:t>
             </a:r>
-            <a:endParaRPr lang="en-US" dirty="0"/>
           </a:p>
         </p:txBody>
       </p:sp>
@@ -9525,10 +9492,9 @@
           <a:lstStyle/>
           <a:p>
             <a:r>
-              <a:rPr lang="en-US" dirty="0" smtClean="0"/>
+              <a:rPr lang="en-US" dirty="0"/>
               <a:t>Linear Peptides:</a:t>
             </a:r>
-            <a:endParaRPr lang="en-US" dirty="0"/>
           </a:p>
         </p:txBody>
       </p:sp>
@@ -9555,10 +9521,9 @@
           <a:lstStyle/>
           <a:p>
             <a:r>
-              <a:rPr lang="en-US" dirty="0" smtClean="0"/>
+              <a:rPr lang="en-US" dirty="0"/>
               <a:t>NE</a:t>
             </a:r>
-            <a:endParaRPr lang="en-US" dirty="0"/>
           </a:p>
         </p:txBody>
       </p:sp>
@@ -9585,7 +9550,7 @@
           <a:lstStyle/>
           <a:p>
             <a:r>
-              <a:rPr lang="en-US" smtClean="0"/>
+              <a:rPr lang="en-US"/>
               <a:t>NED</a:t>
             </a:r>
             <a:endParaRPr lang="en-US" dirty="0"/>
@@ -9601,7 +9566,7 @@
         <p:spPr>
           <a:xfrm>
             <a:off x="3940736" y="4356212"/>
-            <a:ext cx="1149674" cy="369332"/>
+            <a:ext cx="962123" cy="369332"/>
           </a:xfrm>
           <a:prstGeom prst="rect">
             <a:avLst/>
@@ -9616,13 +9581,8 @@
           <a:p>
             <a:r>
               <a:rPr lang="en-US" dirty="0"/>
-              <a:t>=</a:t>
-            </a:r>
-            <a:r>
-              <a:rPr lang="en-US" dirty="0" smtClean="0"/>
-              <a:t> NENED</a:t>
-            </a:r>
-            <a:endParaRPr lang="en-US" dirty="0"/>
+              <a:t>= NEDL</a:t>
+            </a:r>
           </a:p>
         </p:txBody>
       </p:sp>
@@ -9635,7 +9595,7 @@
         <p:spPr>
           <a:xfrm>
             <a:off x="2580912" y="4915770"/>
-            <a:ext cx="2778325" cy="369332"/>
+            <a:ext cx="2467342" cy="369332"/>
           </a:xfrm>
           <a:prstGeom prst="rect">
             <a:avLst/>
@@ -9649,10 +9609,9 @@
           <a:lstStyle/>
           <a:p>
             <a:r>
-              <a:rPr lang="en-US" dirty="0" smtClean="0"/>
-              <a:t>NE   + NEDL  = NENEDL  </a:t>
-            </a:r>
-            <a:endParaRPr lang="en-US" dirty="0"/>
+              <a:rPr lang="en-US" dirty="0"/>
+              <a:t>NE   + DLR  = NEDLR  </a:t>
+            </a:r>
           </a:p>
         </p:txBody>
       </p:sp>
@@ -9679,18 +9638,13 @@
           <a:lstStyle/>
           <a:p>
             <a:r>
-              <a:rPr lang="en-US" dirty="0" smtClean="0">
+              <a:rPr lang="en-US" dirty="0">
                 <a:solidFill>
                   <a:srgbClr val="FF0000"/>
                 </a:solidFill>
               </a:rPr>
               <a:t>AND REVERSE:</a:t>
             </a:r>
-            <a:endParaRPr lang="en-US" dirty="0">
-              <a:solidFill>
-                <a:srgbClr val="FF0000"/>
-              </a:solidFill>
-            </a:endParaRPr>
           </a:p>
         </p:txBody>
       </p:sp>
@@ -9702,8 +9656,8 @@
         </p:nvSpPr>
         <p:spPr>
           <a:xfrm>
-            <a:off x="7728097" y="4356212"/>
-            <a:ext cx="651140" cy="369332"/>
+            <a:off x="7795829" y="4356212"/>
+            <a:ext cx="463588" cy="369332"/>
           </a:xfrm>
           <a:prstGeom prst="rect">
             <a:avLst/>
@@ -9717,10 +9671,9 @@
           <a:lstStyle/>
           <a:p>
             <a:r>
-              <a:rPr lang="en-US" dirty="0" smtClean="0"/>
-              <a:t>NED</a:t>
-            </a:r>
-            <a:endParaRPr lang="en-US" dirty="0"/>
+              <a:rPr lang="en-US" dirty="0"/>
+              <a:t>DL</a:t>
+            </a:r>
           </a:p>
         </p:txBody>
       </p:sp>
@@ -9747,10 +9700,9 @@
           <a:lstStyle/>
           <a:p>
             <a:r>
-              <a:rPr lang="en-US" dirty="0" smtClean="0"/>
+              <a:rPr lang="en-US" dirty="0"/>
               <a:t>+  NE </a:t>
             </a:r>
-            <a:endParaRPr lang="en-US" dirty="0"/>
           </a:p>
         </p:txBody>
       </p:sp>
@@ -9763,7 +9715,7 @@
         <p:spPr>
           <a:xfrm>
             <a:off x="9155257" y="4346875"/>
-            <a:ext cx="1213794" cy="369332"/>
+            <a:ext cx="1026243" cy="369332"/>
           </a:xfrm>
           <a:prstGeom prst="rect">
             <a:avLst/>
@@ -9778,13 +9730,8 @@
           <a:p>
             <a:r>
               <a:rPr lang="en-US" dirty="0"/>
-              <a:t>=</a:t>
-            </a:r>
-            <a:r>
-              <a:rPr lang="en-US" dirty="0" smtClean="0"/>
-              <a:t>  NEDNE</a:t>
-            </a:r>
-            <a:endParaRPr lang="en-US" dirty="0"/>
+              <a:t>=  DLNE</a:t>
+            </a:r>
           </a:p>
         </p:txBody>
       </p:sp>
@@ -9811,18 +9758,13 @@
           <a:lstStyle/>
           <a:p>
             <a:r>
-              <a:rPr lang="en-US" dirty="0" smtClean="0">
+              <a:rPr lang="en-US" dirty="0">
                 <a:solidFill>
                   <a:srgbClr val="FF0000"/>
                 </a:solidFill>
               </a:rPr>
               <a:t>AND REVERSE:</a:t>
             </a:r>
-            <a:endParaRPr lang="en-US" dirty="0">
-              <a:solidFill>
-                <a:srgbClr val="FF0000"/>
-              </a:solidFill>
-            </a:endParaRPr>
           </a:p>
         </p:txBody>
       </p:sp>
@@ -9835,7 +9777,7 @@
         <p:spPr>
           <a:xfrm>
             <a:off x="7753394" y="4899138"/>
-            <a:ext cx="2778325" cy="369332"/>
+            <a:ext cx="2467342" cy="369332"/>
           </a:xfrm>
           <a:prstGeom prst="rect">
             <a:avLst/>
@@ -9849,10 +9791,9 @@
           <a:lstStyle/>
           <a:p>
             <a:r>
-              <a:rPr lang="en-US" dirty="0" smtClean="0"/>
-              <a:t>NEDL  +  NE  = NEDLNE  </a:t>
-            </a:r>
-            <a:endParaRPr lang="en-US" dirty="0"/>
+              <a:rPr lang="en-US" dirty="0"/>
+              <a:t>DLR  +  NE  = DLRNE  </a:t>
+            </a:r>
           </a:p>
         </p:txBody>
       </p:sp>
@@ -10486,62 +10427,53 @@
           <a:lstStyle/>
           <a:p>
             <a:r>
-              <a:rPr lang="en-US" dirty="0" smtClean="0"/>
-              <a:t>Creation of Peptide and </a:t>
-            </a:r>
-            <a:r>
               <a:rPr lang="en-US" dirty="0"/>
-              <a:t>M</a:t>
-            </a:r>
-            <a:r>
-              <a:rPr lang="en-US" dirty="0" smtClean="0"/>
-              <a:t>ass </a:t>
+              <a:t>Creation of Peptide and Mass </a:t>
             </a:r>
             <a:br>
-              <a:rPr lang="en-US" dirty="0" smtClean="0"/>
+              <a:rPr lang="en-US" dirty="0"/>
             </a:br>
             <a:r>
-              <a:rPr lang="en-US" dirty="0" smtClean="0"/>
+              <a:rPr lang="en-US" dirty="0"/>
               <a:t>Data-Frame</a:t>
             </a:r>
+          </a:p>
+        </p:txBody>
+      </p:sp>
+      <p:sp>
+        <p:nvSpPr>
+          <p:cNvPr id="3" name="Content Placeholder 2"/>
+          <p:cNvSpPr>
+            <a:spLocks noGrp="1"/>
+          </p:cNvSpPr>
+          <p:nvPr>
+            <p:ph idx="1"/>
+          </p:nvPr>
+        </p:nvSpPr>
+        <p:spPr/>
+        <p:txBody>
+          <a:bodyPr/>
+          <a:lstStyle/>
+          <a:p>
+            <a:r>
+              <a:rPr lang="en-US" dirty="0"/>
+              <a:t>Mass calculation is completed every time a new peptide is computed</a:t>
+            </a:r>
+          </a:p>
+          <a:p>
+            <a:r>
+              <a:rPr lang="en-US" dirty="0"/>
+              <a:t>The m/z values of that peptide are then calculated and stored</a:t>
+            </a:r>
+          </a:p>
+          <a:p>
+            <a:r>
+              <a:rPr lang="en-US" dirty="0"/>
+              <a:t>These values store for further analysis</a:t>
+            </a:r>
+          </a:p>
+          <a:p>
             <a:endParaRPr lang="en-US" dirty="0"/>
-          </a:p>
-        </p:txBody>
-      </p:sp>
-      <p:sp>
-        <p:nvSpPr>
-          <p:cNvPr id="3" name="Content Placeholder 2"/>
-          <p:cNvSpPr>
-            <a:spLocks noGrp="1"/>
-          </p:cNvSpPr>
-          <p:nvPr>
-            <p:ph idx="1"/>
-          </p:nvPr>
-        </p:nvSpPr>
-        <p:spPr/>
-        <p:txBody>
-          <a:bodyPr/>
-          <a:lstStyle/>
-          <a:p>
-            <a:r>
-              <a:rPr lang="en-US" dirty="0" smtClean="0"/>
-              <a:t>Mass calculation is completed every time a new peptide is computed</a:t>
-            </a:r>
-          </a:p>
-          <a:p>
-            <a:r>
-              <a:rPr lang="en-US" dirty="0" smtClean="0"/>
-              <a:t>The mass of the peptide is then converted to m/z values</a:t>
-            </a:r>
-          </a:p>
-          <a:p>
-            <a:r>
-              <a:rPr lang="en-US" dirty="0" smtClean="0"/>
-              <a:t>These values store for further analysis</a:t>
-            </a:r>
-          </a:p>
-          <a:p>
-            <a:endParaRPr lang="en-US" dirty="0" smtClean="0"/>
           </a:p>
           <a:p>
             <a:endParaRPr lang="en-US" dirty="0"/>
@@ -10571,14 +10503,13 @@
           <a:lstStyle/>
           <a:p>
             <a:r>
-              <a:rPr lang="en-US" dirty="0" err="1" smtClean="0"/>
+              <a:rPr lang="en-US" dirty="0" err="1"/>
               <a:t>peptideMassData</a:t>
             </a:r>
             <a:r>
-              <a:rPr lang="en-US" dirty="0" smtClean="0"/>
-              <a:t> = [ peptide1: [ [z1, m/z1], [z2, m/z2] ] ]</a:t>
-            </a:r>
-            <a:endParaRPr lang="en-US" dirty="0"/>
+              <a:rPr lang="en-US" dirty="0"/>
+              <a:t> = { peptide1: [ [z1, m/z1], [z2, m/z2] ] }</a:t>
+            </a:r>
           </a:p>
         </p:txBody>
       </p:sp>
@@ -10592,13 +10523,6 @@
   <p:clrMapOvr>
     <a:masterClrMapping/>
   </p:clrMapOvr>
-  <p:timing>
-    <p:tnLst>
-      <p:par>
-        <p:cTn id="1" dur="indefinite" restart="never" nodeType="tmRoot"/>
-      </p:par>
-    </p:tnLst>
-  </p:timing>
 </p:sld>
 </file>
 
@@ -10635,14 +10559,13 @@
           <a:lstStyle/>
           <a:p>
             <a:r>
-              <a:rPr lang="en-US" dirty="0" err="1" smtClean="0"/>
+              <a:rPr lang="en-US" dirty="0" err="1"/>
               <a:t>Pepmass</a:t>
             </a:r>
             <a:r>
-              <a:rPr lang="en-US" dirty="0" smtClean="0"/>
+              <a:rPr lang="en-US" dirty="0"/>
               <a:t> Comparison</a:t>
             </a:r>
-            <a:endParaRPr lang="en-US" dirty="0"/>
           </a:p>
         </p:txBody>
       </p:sp>
@@ -10662,38 +10585,37 @@
           <a:lstStyle/>
           <a:p>
             <a:r>
-              <a:rPr lang="en-US" dirty="0" smtClean="0"/>
+              <a:rPr lang="en-US" dirty="0"/>
               <a:t>Deletes all spliced peptides which don’t have a </a:t>
             </a:r>
             <a:br>
-              <a:rPr lang="en-US" dirty="0" smtClean="0"/>
+              <a:rPr lang="en-US" dirty="0"/>
             </a:br>
             <a:r>
-              <a:rPr lang="en-US" dirty="0" smtClean="0"/>
+              <a:rPr lang="en-US" dirty="0"/>
               <a:t>matching </a:t>
             </a:r>
             <a:r>
-              <a:rPr lang="en-US" dirty="0" err="1" smtClean="0"/>
+              <a:rPr lang="en-US" dirty="0" err="1"/>
               <a:t>pepmass</a:t>
             </a:r>
             <a:r>
-              <a:rPr lang="en-US" dirty="0" smtClean="0"/>
+              <a:rPr lang="en-US" dirty="0"/>
               <a:t> in the uploaded MGF Files</a:t>
             </a:r>
           </a:p>
           <a:p>
             <a:r>
-              <a:rPr lang="en-US" dirty="0" smtClean="0"/>
+              <a:rPr lang="en-US" dirty="0"/>
               <a:t>Relevant input variable:</a:t>
             </a:r>
           </a:p>
           <a:p>
             <a:pPr lvl="1"/>
             <a:r>
-              <a:rPr lang="en-US" dirty="0" smtClean="0"/>
+              <a:rPr lang="en-US" dirty="0"/>
               <a:t>PPM </a:t>
             </a:r>
-            <a:endParaRPr lang="en-US" dirty="0"/>
           </a:p>
         </p:txBody>
       </p:sp>
@@ -10776,13 +10698,6 @@
   <p:clrMapOvr>
     <a:masterClrMapping/>
   </p:clrMapOvr>
-  <p:timing>
-    <p:tnLst>
-      <p:par>
-        <p:cTn id="1" dur="indefinite" restart="never" nodeType="tmRoot"/>
-      </p:par>
-    </p:tnLst>
-  </p:timing>
 </p:sld>
 </file>
 
@@ -10819,47 +10734,46 @@
           <a:lstStyle/>
           <a:p>
             <a:r>
-              <a:rPr lang="en-US" dirty="0" smtClean="0"/>
+              <a:rPr lang="en-US" dirty="0"/>
               <a:t>B/Y Ion Comparison</a:t>
             </a:r>
+          </a:p>
+        </p:txBody>
+      </p:sp>
+      <p:sp>
+        <p:nvSpPr>
+          <p:cNvPr id="3" name="Content Placeholder 2"/>
+          <p:cNvSpPr>
+            <a:spLocks noGrp="1"/>
+          </p:cNvSpPr>
+          <p:nvPr>
+            <p:ph idx="1"/>
+          </p:nvPr>
+        </p:nvSpPr>
+        <p:spPr/>
+        <p:txBody>
+          <a:bodyPr/>
+          <a:lstStyle/>
+          <a:p>
+            <a:r>
+              <a:rPr lang="en-US" dirty="0"/>
+              <a:t>Deleted peptides based on the number of b/y fragmented ions that appear in the spectrum.</a:t>
+            </a:r>
+          </a:p>
+          <a:p>
+            <a:r>
+              <a:rPr lang="en-US" dirty="0"/>
+              <a:t>Creation of b/y Ions:	</a:t>
+            </a:r>
+          </a:p>
+          <a:p>
             <a:endParaRPr lang="en-US" dirty="0"/>
           </a:p>
-        </p:txBody>
-      </p:sp>
-      <p:sp>
-        <p:nvSpPr>
-          <p:cNvPr id="3" name="Content Placeholder 2"/>
-          <p:cNvSpPr>
-            <a:spLocks noGrp="1"/>
-          </p:cNvSpPr>
-          <p:nvPr>
-            <p:ph idx="1"/>
-          </p:nvPr>
-        </p:nvSpPr>
-        <p:spPr/>
-        <p:txBody>
-          <a:bodyPr/>
-          <a:lstStyle/>
-          <a:p>
-            <a:r>
-              <a:rPr lang="en-US" dirty="0" smtClean="0"/>
-              <a:t>Deleted peptides based on the number of b/y fragmented ions that appear in the spectrum.</a:t>
-            </a:r>
-          </a:p>
-          <a:p>
-            <a:r>
-              <a:rPr lang="en-US" dirty="0" smtClean="0"/>
-              <a:t>Creation of b/y Ions:	</a:t>
-            </a:r>
-          </a:p>
           <a:p>
             <a:endParaRPr lang="en-US" dirty="0"/>
           </a:p>
           <a:p>
             <a:endParaRPr lang="en-US" dirty="0"/>
-          </a:p>
-          <a:p>
-            <a:endParaRPr lang="en-US" dirty="0" smtClean="0"/>
           </a:p>
           <a:p>
             <a:endParaRPr lang="en-US" dirty="0"/>
@@ -10888,10 +10802,9 @@
           <a:lstStyle/>
           <a:p>
             <a:r>
-              <a:rPr lang="en-US" dirty="0" smtClean="0"/>
+              <a:rPr lang="en-US" dirty="0"/>
               <a:t>NEDLN </a:t>
             </a:r>
-            <a:endParaRPr lang="en-US" dirty="0"/>
           </a:p>
         </p:txBody>
       </p:sp>
@@ -10920,18 +10833,13 @@
           <a:lstStyle/>
           <a:p>
             <a:r>
-              <a:rPr lang="en-US" dirty="0" smtClean="0">
+              <a:rPr lang="en-US" dirty="0">
                 <a:solidFill>
                   <a:srgbClr val="FF0000"/>
                 </a:solidFill>
               </a:rPr>
               <a:t>B Ions </a:t>
             </a:r>
-            <a:endParaRPr lang="en-US" dirty="0">
-              <a:solidFill>
-                <a:srgbClr val="FF0000"/>
-              </a:solidFill>
-            </a:endParaRPr>
           </a:p>
         </p:txBody>
       </p:sp>
@@ -10957,10 +10865,9 @@
           <a:lstStyle/>
           <a:p>
             <a:r>
-              <a:rPr lang="en-US" dirty="0" smtClean="0"/>
+              <a:rPr lang="en-US" dirty="0"/>
               <a:t>N</a:t>
             </a:r>
-            <a:endParaRPr lang="en-US" dirty="0"/>
           </a:p>
         </p:txBody>
       </p:sp>
@@ -10986,10 +10893,9 @@
           <a:lstStyle/>
           <a:p>
             <a:r>
-              <a:rPr lang="en-US" dirty="0" smtClean="0"/>
+              <a:rPr lang="en-US" dirty="0"/>
               <a:t>NE</a:t>
             </a:r>
-            <a:endParaRPr lang="en-US" dirty="0"/>
           </a:p>
         </p:txBody>
       </p:sp>
@@ -11015,10 +10921,9 @@
           <a:lstStyle/>
           <a:p>
             <a:r>
-              <a:rPr lang="en-US" smtClean="0"/>
+              <a:rPr lang="en-US"/>
               <a:t>NED</a:t>
             </a:r>
-            <a:endParaRPr lang="en-US"/>
           </a:p>
         </p:txBody>
       </p:sp>
@@ -11044,10 +10949,9 @@
           <a:lstStyle/>
           <a:p>
             <a:r>
-              <a:rPr lang="en-US" smtClean="0"/>
+              <a:rPr lang="en-US"/>
               <a:t>NEDL</a:t>
             </a:r>
-            <a:endParaRPr lang="en-US"/>
           </a:p>
         </p:txBody>
       </p:sp>
@@ -11081,21 +10985,8 @@
                   <a:srgbClr val="FF0000"/>
                 </a:solidFill>
               </a:rPr>
-              <a:t>Y</a:t>
-            </a:r>
-            <a:r>
-              <a:rPr lang="en-US" dirty="0" smtClean="0">
-                <a:solidFill>
-                  <a:srgbClr val="FF0000"/>
-                </a:solidFill>
-              </a:rPr>
-              <a:t> Ions </a:t>
-            </a:r>
-            <a:endParaRPr lang="en-US" dirty="0">
-              <a:solidFill>
-                <a:srgbClr val="FF0000"/>
-              </a:solidFill>
-            </a:endParaRPr>
+              <a:t>Y Ions </a:t>
+            </a:r>
           </a:p>
         </p:txBody>
       </p:sp>
@@ -11121,10 +11012,9 @@
           <a:lstStyle/>
           <a:p>
             <a:r>
-              <a:rPr lang="en-US" dirty="0" smtClean="0"/>
+              <a:rPr lang="en-US" dirty="0"/>
               <a:t>EDLN</a:t>
             </a:r>
-            <a:endParaRPr lang="en-US" dirty="0"/>
           </a:p>
         </p:txBody>
       </p:sp>
@@ -11150,10 +11040,9 @@
           <a:lstStyle/>
           <a:p>
             <a:r>
-              <a:rPr lang="en-US" dirty="0" smtClean="0"/>
+              <a:rPr lang="en-US" dirty="0"/>
               <a:t>DLN</a:t>
             </a:r>
-            <a:endParaRPr lang="en-US" dirty="0"/>
           </a:p>
         </p:txBody>
       </p:sp>
@@ -11179,10 +11068,9 @@
           <a:lstStyle/>
           <a:p>
             <a:r>
-              <a:rPr lang="en-US" dirty="0" smtClean="0"/>
+              <a:rPr lang="en-US" dirty="0"/>
               <a:t>LN</a:t>
             </a:r>
-            <a:endParaRPr lang="en-US" dirty="0"/>
           </a:p>
         </p:txBody>
       </p:sp>
@@ -11208,10 +11096,9 @@
           <a:lstStyle/>
           <a:p>
             <a:r>
-              <a:rPr lang="en-US" dirty="0" smtClean="0"/>
+              <a:rPr lang="en-US" dirty="0"/>
               <a:t>N</a:t>
             </a:r>
-            <a:endParaRPr lang="en-US" dirty="0"/>
           </a:p>
         </p:txBody>
       </p:sp>
@@ -11616,14 +11503,14 @@
           <a:lstStyle/>
           <a:p>
             <a:r>
-              <a:rPr lang="en-US" dirty="0" smtClean="0"/>
+              <a:rPr lang="en-US" dirty="0"/>
               <a:t>Extracts the Ion m/z data for the matching </a:t>
             </a:r>
             <a:r>
-              <a:rPr lang="en-US" dirty="0" err="1" smtClean="0"/>
+              <a:rPr lang="en-US" dirty="0" err="1"/>
               <a:t>pepmass</a:t>
             </a:r>
-            <a:endParaRPr lang="en-US" dirty="0" smtClean="0"/>
+            <a:endParaRPr lang="en-US" dirty="0"/>
           </a:p>
           <a:p>
             <a:r>
@@ -11642,11 +11529,7 @@
             <a:pPr lvl="1"/>
             <a:r>
               <a:rPr lang="en-US" dirty="0"/>
-              <a:t>b/y Ion </a:t>
-            </a:r>
-            <a:r>
-              <a:rPr lang="en-US" dirty="0" smtClean="0"/>
-              <a:t>Accuracy</a:t>
+              <a:t>b/y Ion Accuracy</a:t>
             </a:r>
           </a:p>
           <a:p>
@@ -11660,18 +11543,10 @@
             </a:br>
             <a:r>
               <a:rPr lang="en-US" sz="1800" dirty="0"/>
-              <a:t>the </a:t>
-            </a:r>
-            <a:r>
-              <a:rPr lang="en-US" sz="1800" dirty="0" smtClean="0"/>
-              <a:t>output file</a:t>
-            </a:r>
-            <a:r>
-              <a:rPr lang="en-US" dirty="0" smtClean="0"/>
-              <a:t/>
+              <a:t>the output file</a:t>
             </a:r>
             <a:br>
-              <a:rPr lang="en-US" dirty="0" smtClean="0"/>
+              <a:rPr lang="en-US" dirty="0"/>
             </a:br>
             <a:endParaRPr lang="en-US" dirty="0"/>
           </a:p>
@@ -11756,13 +11631,6 @@
   <p:clrMapOvr>
     <a:masterClrMapping/>
   </p:clrMapOvr>
-  <p:timing>
-    <p:tnLst>
-      <p:par>
-        <p:cTn id="1" dur="indefinite" restart="never" nodeType="tmRoot"/>
-      </p:par>
-    </p:tnLst>
-  </p:timing>
 </p:sld>
 </file>
 
@@ -11799,18 +11667,17 @@
           <a:lstStyle/>
           <a:p>
             <a:r>
-              <a:rPr lang="en-US" dirty="0" smtClean="0"/>
+              <a:rPr lang="en-US" dirty="0"/>
               <a:t>Run Times </a:t>
             </a:r>
             <a:r>
-              <a:rPr lang="mr-IN" dirty="0" smtClean="0"/>
+              <a:rPr lang="mr-IN" dirty="0"/>
               <a:t>–</a:t>
             </a:r>
             <a:r>
-              <a:rPr lang="en-US" dirty="0" smtClean="0"/>
+              <a:rPr lang="en-US" dirty="0"/>
               <a:t> Linear Only</a:t>
             </a:r>
-            <a:endParaRPr lang="en-US" dirty="0"/>
           </a:p>
         </p:txBody>
       </p:sp>
@@ -11830,40 +11697,43 @@
           <a:lstStyle/>
           <a:p>
             <a:r>
-              <a:rPr lang="en-US" dirty="0" smtClean="0"/>
+              <a:rPr lang="en-US" dirty="0"/>
               <a:t>Input parameters </a:t>
             </a:r>
             <a:r>
-              <a:rPr lang="en-US" dirty="0" smtClean="0">
+              <a:rPr lang="en-US" dirty="0">
                 <a:sym typeface="Wingdings"/>
               </a:rPr>
               <a:t></a:t>
             </a:r>
-            <a:endParaRPr lang="en-US" dirty="0" smtClean="0"/>
-          </a:p>
-          <a:p>
-            <a:r>
-              <a:rPr lang="en-US" dirty="0" smtClean="0"/>
-              <a:t>Test Data:</a:t>
+            <a:endParaRPr lang="en-US" dirty="0"/>
+          </a:p>
+          <a:p>
+            <a:r>
+              <a:rPr lang="en-US" dirty="0"/>
+              <a:t>Test Data (16 Cores):</a:t>
             </a:r>
           </a:p>
           <a:p>
             <a:pPr lvl="1"/>
             <a:r>
-              <a:rPr lang="en-US" dirty="0" err="1" smtClean="0"/>
+              <a:rPr lang="en-US" dirty="0" err="1"/>
               <a:t>Fasta</a:t>
             </a:r>
             <a:r>
-              <a:rPr lang="en-US" dirty="0" smtClean="0"/>
+              <a:rPr lang="en-US" dirty="0"/>
               <a:t> file contained 20170 proteins</a:t>
             </a:r>
           </a:p>
           <a:p>
             <a:pPr lvl="1"/>
             <a:r>
-              <a:rPr lang="en-US" dirty="0" smtClean="0"/>
+              <a:rPr lang="en-US" dirty="0"/>
               <a:t>MGF file was 918MB </a:t>
             </a:r>
+          </a:p>
+          <a:p>
+            <a:pPr lvl="1"/>
             <a:endParaRPr lang="en-US" dirty="0"/>
           </a:p>
         </p:txBody>
@@ -11902,13 +11772,6 @@
   <p:clrMapOvr>
     <a:masterClrMapping/>
   </p:clrMapOvr>
-  <p:timing>
-    <p:tnLst>
-      <p:par>
-        <p:cTn id="1" dur="indefinite" restart="never" nodeType="tmRoot"/>
-      </p:par>
-    </p:tnLst>
-  </p:timing>
 </p:sld>
 </file>
 
@@ -11945,18 +11808,17 @@
           <a:lstStyle/>
           <a:p>
             <a:r>
-              <a:rPr lang="en-US" dirty="0" smtClean="0"/>
+              <a:rPr lang="en-US" dirty="0"/>
               <a:t>Run Times </a:t>
             </a:r>
             <a:r>
-              <a:rPr lang="mr-IN" dirty="0" smtClean="0"/>
+              <a:rPr lang="mr-IN" dirty="0"/>
               <a:t>–</a:t>
             </a:r>
             <a:r>
-              <a:rPr lang="en-US" dirty="0" smtClean="0"/>
+              <a:rPr lang="en-US" dirty="0"/>
               <a:t> Linear Only</a:t>
             </a:r>
-            <a:endParaRPr lang="en-US" dirty="0"/>
           </a:p>
         </p:txBody>
       </p:sp>
@@ -11978,105 +11840,112 @@
         </p:spPr>
         <p:txBody>
           <a:bodyPr>
-            <a:normAutofit/>
+            <a:normAutofit lnSpcReduction="10000"/>
           </a:bodyPr>
           <a:lstStyle/>
           <a:p>
             <a:r>
-              <a:rPr lang="en-US" dirty="0" smtClean="0"/>
-              <a:t>Initial prototype without B/Y Ion Check: </a:t>
+              <a:rPr lang="en-US" dirty="0"/>
+              <a:t>Initial prototype without B/Y Ion Check and writing to console: </a:t>
             </a:r>
           </a:p>
           <a:p>
             <a:pPr lvl="1"/>
             <a:r>
-              <a:rPr lang="en-US" dirty="0" smtClean="0"/>
+              <a:rPr lang="en-US" dirty="0"/>
               <a:t>40 hours to run logic</a:t>
             </a:r>
           </a:p>
           <a:p>
             <a:pPr lvl="1"/>
             <a:r>
-              <a:rPr lang="en-US" dirty="0" smtClean="0"/>
+              <a:rPr lang="en-US" dirty="0"/>
               <a:t>38 mins to extract file data</a:t>
             </a:r>
           </a:p>
           <a:p>
             <a:r>
-              <a:rPr lang="en-US" dirty="0" smtClean="0"/>
-              <a:t>After re-</a:t>
-            </a:r>
-            <a:r>
-              <a:rPr lang="en-US" dirty="0" err="1" smtClean="0"/>
-              <a:t>organising</a:t>
-            </a:r>
-            <a:r>
-              <a:rPr lang="en-US" dirty="0" smtClean="0"/>
-              <a:t> of code:</a:t>
+              <a:rPr lang="en-US" dirty="0"/>
+              <a:t>Writing to </a:t>
+            </a:r>
+            <a:r>
+              <a:rPr lang="en-US" dirty="0" err="1"/>
+              <a:t>fasta</a:t>
+            </a:r>
+            <a:r>
+              <a:rPr lang="en-US" dirty="0"/>
+              <a:t> file and optimizing algorithm</a:t>
             </a:r>
           </a:p>
           <a:p>
             <a:pPr lvl="1"/>
             <a:r>
-              <a:rPr lang="en-US" dirty="0" smtClean="0"/>
+              <a:rPr lang="en-US" dirty="0"/>
               <a:t>7 hours to run</a:t>
             </a:r>
           </a:p>
           <a:p>
             <a:pPr lvl="1"/>
             <a:r>
-              <a:rPr lang="en-US" dirty="0" smtClean="0"/>
+              <a:rPr lang="en-US" dirty="0"/>
               <a:t>38 mins to extract file data</a:t>
             </a:r>
           </a:p>
           <a:p>
             <a:r>
-              <a:rPr lang="en-US" dirty="0" smtClean="0"/>
-              <a:t>Ignoring duplicates when comparing </a:t>
-            </a:r>
-            <a:r>
-              <a:rPr lang="en-US" dirty="0" err="1" smtClean="0"/>
+              <a:rPr lang="en-US" dirty="0"/>
+              <a:t>Ignoring modified duplicates when comparing </a:t>
+            </a:r>
+            <a:r>
+              <a:rPr lang="en-US" dirty="0" err="1"/>
               <a:t>Pepmass</a:t>
             </a:r>
             <a:r>
-              <a:rPr lang="en-US" dirty="0" smtClean="0"/>
-              <a:t> and uploading MGF data:</a:t>
+              <a:rPr lang="en-US" dirty="0"/>
+              <a:t> and uploading MGF data to a different data structure:</a:t>
             </a:r>
           </a:p>
           <a:p>
             <a:pPr lvl="1"/>
             <a:r>
-              <a:rPr lang="en-US" dirty="0" smtClean="0"/>
+              <a:rPr lang="en-US" dirty="0"/>
               <a:t>20 mins to run</a:t>
             </a:r>
           </a:p>
           <a:p>
             <a:pPr lvl="1"/>
             <a:r>
-              <a:rPr lang="en-US" dirty="0" smtClean="0"/>
+              <a:rPr lang="en-US" dirty="0"/>
               <a:t>5 mins to extract file data</a:t>
             </a:r>
           </a:p>
           <a:p>
             <a:r>
-              <a:rPr lang="en-US" dirty="0" smtClean="0"/>
+              <a:rPr lang="en-US" dirty="0"/>
               <a:t>Adding b/y Ion comparison</a:t>
             </a:r>
           </a:p>
           <a:p>
             <a:pPr lvl="1"/>
             <a:r>
-              <a:rPr lang="en-US" dirty="0" smtClean="0"/>
+              <a:rPr lang="en-US" dirty="0"/>
               <a:t>5 mins to extract file data</a:t>
             </a:r>
           </a:p>
           <a:p>
             <a:pPr lvl="1"/>
-            <a:endParaRPr lang="en-US" dirty="0" smtClean="0"/>
+            <a:r>
+              <a:rPr lang="en-US" dirty="0"/>
+              <a:t>56 mins to run</a:t>
+            </a:r>
           </a:p>
           <a:p>
             <a:pPr lvl="1"/>
-            <a:endParaRPr lang="en-US" dirty="0" smtClean="0"/>
+            <a:endParaRPr lang="en-US" dirty="0"/>
+          </a:p>
+          <a:p>
+            <a:pPr lvl="1"/>
+            <a:endParaRPr lang="en-US" dirty="0"/>
           </a:p>
           <a:p>
             <a:endParaRPr lang="en-US" dirty="0"/>
@@ -12093,13 +11962,6 @@
   <p:clrMapOvr>
     <a:masterClrMapping/>
   </p:clrMapOvr>
-  <p:timing>
-    <p:tnLst>
-      <p:par>
-        <p:cTn id="1" dur="indefinite" restart="never" nodeType="tmRoot"/>
-      </p:par>
-    </p:tnLst>
-  </p:timing>
 </p:sld>
 </file>
 
@@ -12136,7 +11998,7 @@
           <a:lstStyle/>
           <a:p>
             <a:r>
-              <a:rPr lang="en-US" smtClean="0"/>
+              <a:rPr lang="en-US"/>
               <a:t>Multiprocessing</a:t>
             </a:r>
             <a:endParaRPr lang="en-US" dirty="0"/>
@@ -12159,7 +12021,7 @@
           <a:lstStyle/>
           <a:p>
             <a:r>
-              <a:rPr lang="en-US" dirty="0" smtClean="0"/>
+              <a:rPr lang="en-US" dirty="0"/>
               <a:t>Multiprocessing uses multiple cores to run parallel processes simultaneously</a:t>
             </a:r>
           </a:p>
@@ -12328,7 +12190,7 @@
           <a:lstStyle/>
           <a:p>
             <a:r>
-              <a:rPr lang="en-US" sz="1400" smtClean="0"/>
+              <a:rPr lang="en-US" sz="1400"/>
               <a:t>Inputs</a:t>
             </a:r>
             <a:endParaRPr lang="en-US" sz="1400" dirty="0"/>
@@ -12358,10 +12220,9 @@
           <a:lstStyle/>
           <a:p>
             <a:r>
-              <a:rPr lang="en-US" sz="1400" dirty="0" smtClean="0"/>
+              <a:rPr lang="en-US" sz="1400" dirty="0"/>
               <a:t>Linear</a:t>
             </a:r>
-            <a:endParaRPr lang="en-US" sz="1400" dirty="0"/>
           </a:p>
         </p:txBody>
       </p:sp>
@@ -12388,7 +12249,7 @@
           <a:lstStyle/>
           <a:p>
             <a:r>
-              <a:rPr lang="en-US" sz="1400" smtClean="0"/>
+              <a:rPr lang="en-US" sz="1400"/>
               <a:t>Trans</a:t>
             </a:r>
             <a:endParaRPr lang="en-US" sz="1400" dirty="0"/>
@@ -12453,10 +12314,9 @@
           <a:lstStyle/>
           <a:p>
             <a:r>
-              <a:rPr lang="en-US" sz="1400" dirty="0" smtClean="0"/>
+              <a:rPr lang="en-US" sz="1400" dirty="0"/>
               <a:t>Protein 1</a:t>
             </a:r>
-            <a:endParaRPr lang="en-US" sz="1400" dirty="0"/>
           </a:p>
         </p:txBody>
       </p:sp>
@@ -12553,10 +12413,9 @@
           <a:lstStyle/>
           <a:p>
             <a:r>
-              <a:rPr lang="en-US" sz="1400" dirty="0" smtClean="0"/>
+              <a:rPr lang="en-US" sz="1400" dirty="0"/>
               <a:t>Protein 2</a:t>
             </a:r>
-            <a:endParaRPr lang="en-US" sz="1400" dirty="0"/>
           </a:p>
         </p:txBody>
       </p:sp>
@@ -12583,23 +12442,25 @@
           <a:lstStyle/>
           <a:p>
             <a:r>
-              <a:rPr lang="en-US" sz="1400" dirty="0" smtClean="0"/>
+              <a:rPr lang="en-US" sz="1400" dirty="0"/>
               <a:t>Protein 3</a:t>
             </a:r>
-            <a:endParaRPr lang="en-US" sz="1400" dirty="0"/>
           </a:p>
         </p:txBody>
       </p:sp>
       <p:cxnSp>
         <p:nvCxnSpPr>
           <p:cNvPr id="33" name="Straight Connector 32"/>
-          <p:cNvCxnSpPr/>
+          <p:cNvCxnSpPr>
+            <a:cxnSpLocks/>
+            <a:endCxn id="40" idx="1"/>
+          </p:cNvCxnSpPr>
           <p:nvPr/>
         </p:nvCxnSpPr>
         <p:spPr>
           <a:xfrm>
             <a:off x="6757988" y="3529838"/>
-            <a:ext cx="1140618" cy="382264"/>
+            <a:ext cx="1226344" cy="389242"/>
           </a:xfrm>
           <a:prstGeom prst="line">
             <a:avLst/>
@@ -12628,13 +12489,16 @@
       <p:cxnSp>
         <p:nvCxnSpPr>
           <p:cNvPr id="35" name="Straight Connector 34"/>
-          <p:cNvCxnSpPr/>
+          <p:cNvCxnSpPr>
+            <a:cxnSpLocks/>
+            <a:endCxn id="40" idx="1"/>
+          </p:cNvCxnSpPr>
           <p:nvPr/>
         </p:nvCxnSpPr>
         <p:spPr>
           <a:xfrm flipV="1">
-            <a:off x="7254876" y="3937124"/>
-            <a:ext cx="643730" cy="190158"/>
+            <a:off x="7254876" y="3919080"/>
+            <a:ext cx="729456" cy="208202"/>
           </a:xfrm>
           <a:prstGeom prst="line">
             <a:avLst/>
@@ -12663,13 +12527,16 @@
       <p:cxnSp>
         <p:nvCxnSpPr>
           <p:cNvPr id="37" name="Straight Connector 36"/>
-          <p:cNvCxnSpPr/>
+          <p:cNvCxnSpPr>
+            <a:cxnSpLocks/>
+            <a:endCxn id="40" idx="1"/>
+          </p:cNvCxnSpPr>
           <p:nvPr/>
         </p:nvCxnSpPr>
         <p:spPr>
           <a:xfrm flipV="1">
-            <a:off x="7194550" y="3912102"/>
-            <a:ext cx="692150" cy="735349"/>
+            <a:off x="7194550" y="3919080"/>
+            <a:ext cx="789782" cy="728372"/>
           </a:xfrm>
           <a:prstGeom prst="line">
             <a:avLst/>
@@ -12718,10 +12585,9 @@
           <a:lstStyle/>
           <a:p>
             <a:r>
-              <a:rPr lang="en-US" sz="1400" dirty="0" smtClean="0"/>
+              <a:rPr lang="en-US" sz="1400" dirty="0"/>
               <a:t>Cis</a:t>
             </a:r>
-            <a:endParaRPr lang="en-US" sz="1400" dirty="0"/>
           </a:p>
         </p:txBody>
       </p:sp>
@@ -12748,14 +12614,14 @@
           <a:lstStyle/>
           <a:p>
             <a:r>
-              <a:rPr lang="en-US" sz="1400" smtClean="0"/>
+              <a:rPr lang="en-US" sz="1400"/>
               <a:t>Writer</a:t>
             </a:r>
             <a:br>
-              <a:rPr lang="en-US" sz="1400" smtClean="0"/>
+              <a:rPr lang="en-US" sz="1400"/>
             </a:br>
             <a:r>
-              <a:rPr lang="en-US" sz="1400" smtClean="0"/>
+              <a:rPr lang="en-US" sz="1400"/>
               <a:t>Function</a:t>
             </a:r>
             <a:endParaRPr lang="en-US" sz="1400" dirty="0"/>
@@ -12820,11 +12686,11 @@
           <a:lstStyle/>
           <a:p>
             <a:r>
-              <a:rPr lang="en-US" sz="1400" dirty="0" smtClean="0"/>
+              <a:rPr lang="en-US" sz="1400" dirty="0"/>
               <a:t>Output </a:t>
             </a:r>
             <a:r>
-              <a:rPr lang="en-US" sz="1400" dirty="0" err="1" smtClean="0"/>
+              <a:rPr lang="en-US" sz="1400" dirty="0" err="1"/>
               <a:t>Fasta</a:t>
             </a:r>
             <a:endParaRPr lang="en-US" sz="1400" dirty="0"/>
@@ -12841,13 +12707,6 @@
   <p:clrMapOvr>
     <a:masterClrMapping/>
   </p:clrMapOvr>
-  <p:timing>
-    <p:tnLst>
-      <p:par>
-        <p:cTn id="1" dur="indefinite" restart="never" nodeType="tmRoot"/>
-      </p:par>
-    </p:tnLst>
-  </p:timing>
 </p:sld>
 </file>
 
@@ -12884,53 +12743,58 @@
           <a:lstStyle/>
           <a:p>
             <a:r>
-              <a:rPr lang="en-US" dirty="0" smtClean="0"/>
+              <a:rPr lang="en-US" dirty="0"/>
               <a:t>Future</a:t>
             </a:r>
+          </a:p>
+        </p:txBody>
+      </p:sp>
+      <p:sp>
+        <p:nvSpPr>
+          <p:cNvPr id="3" name="Content Placeholder 2"/>
+          <p:cNvSpPr>
+            <a:spLocks noGrp="1"/>
+          </p:cNvSpPr>
+          <p:nvPr>
+            <p:ph idx="1"/>
+          </p:nvPr>
+        </p:nvSpPr>
+        <p:spPr/>
+        <p:txBody>
+          <a:bodyPr/>
+          <a:lstStyle/>
+          <a:p>
+            <a:r>
+              <a:rPr lang="en-US" dirty="0"/>
+              <a:t>Add an intensity plot to pick an accurate threshold and filter out low quality spectrum</a:t>
+            </a:r>
+          </a:p>
+          <a:p>
+            <a:r>
+              <a:rPr lang="en-US"/>
+              <a:t>Data analysis to test accuracy of output</a:t>
+            </a:r>
             <a:endParaRPr lang="en-US" dirty="0"/>
           </a:p>
-        </p:txBody>
-      </p:sp>
-      <p:sp>
-        <p:nvSpPr>
-          <p:cNvPr id="3" name="Content Placeholder 2"/>
-          <p:cNvSpPr>
-            <a:spLocks noGrp="1"/>
-          </p:cNvSpPr>
-          <p:nvPr>
-            <p:ph idx="1"/>
-          </p:nvPr>
-        </p:nvSpPr>
-        <p:spPr/>
-        <p:txBody>
-          <a:bodyPr/>
-          <a:lstStyle/>
-          <a:p>
-            <a:r>
-              <a:rPr lang="en-US" dirty="0" smtClean="0"/>
-              <a:t>Data analysis to test accuracy of output</a:t>
-            </a:r>
-          </a:p>
-          <a:p>
-            <a:r>
-              <a:rPr lang="en-US" dirty="0" smtClean="0"/>
-              <a:t>Develop trans and cis functionality for larger file sizes</a:t>
-            </a:r>
-          </a:p>
-          <a:p>
-            <a:r>
-              <a:rPr lang="en-US" dirty="0" smtClean="0"/>
+          <a:p>
+            <a:r>
+              <a:rPr lang="en-US" dirty="0"/>
+              <a:t>Decrease trans and cis runtime for larger file sizes</a:t>
+            </a:r>
+          </a:p>
+          <a:p>
+            <a:r>
+              <a:rPr lang="en-US" dirty="0"/>
               <a:t>Integration of program into </a:t>
             </a:r>
             <a:r>
-              <a:rPr lang="en-US" dirty="0" err="1" smtClean="0"/>
+              <a:rPr lang="en-US" dirty="0" err="1"/>
               <a:t>Pouya’s</a:t>
             </a:r>
             <a:r>
-              <a:rPr lang="en-US" dirty="0" smtClean="0"/>
+              <a:rPr lang="en-US" dirty="0"/>
               <a:t> research</a:t>
             </a:r>
-            <a:endParaRPr lang="en-US" dirty="0"/>
           </a:p>
         </p:txBody>
       </p:sp>
@@ -12944,13 +12808,6 @@
   <p:clrMapOvr>
     <a:masterClrMapping/>
   </p:clrMapOvr>
-  <p:timing>
-    <p:tnLst>
-      <p:par>
-        <p:cTn id="1" dur="indefinite" restart="never" nodeType="tmRoot"/>
-      </p:par>
-    </p:tnLst>
-  </p:timing>
 </p:sld>
 </file>
 
@@ -12987,10 +12844,9 @@
           <a:lstStyle/>
           <a:p>
             <a:r>
-              <a:rPr lang="en-US" dirty="0" smtClean="0"/>
+              <a:rPr lang="en-US" dirty="0"/>
               <a:t>Introduction</a:t>
             </a:r>
-            <a:endParaRPr lang="en-US" dirty="0"/>
           </a:p>
         </p:txBody>
       </p:sp>
@@ -13010,33 +12866,33 @@
           <a:lstStyle/>
           <a:p>
             <a:r>
-              <a:rPr lang="en-US" dirty="0" smtClean="0"/>
+              <a:rPr lang="en-US" dirty="0"/>
               <a:t>Goal of program</a:t>
             </a:r>
           </a:p>
           <a:p>
             <a:pPr lvl="1"/>
             <a:r>
-              <a:rPr lang="en-US" dirty="0" smtClean="0"/>
+              <a:rPr lang="en-US" dirty="0"/>
               <a:t>to compute which of the spectrum present in an MGF file could have been formed via linear, cis or trans splicing.</a:t>
             </a:r>
           </a:p>
           <a:p>
             <a:r>
-              <a:rPr lang="en-US" dirty="0" smtClean="0"/>
+              <a:rPr lang="en-US" dirty="0"/>
               <a:t>Program is written in python</a:t>
             </a:r>
           </a:p>
           <a:p>
             <a:r>
-              <a:rPr lang="en-US" dirty="0" smtClean="0"/>
+              <a:rPr lang="en-US" dirty="0"/>
               <a:t>User Interface allows the analysis to be dynamic and easily repeatable</a:t>
             </a:r>
           </a:p>
           <a:p>
             <a:pPr lvl="1"/>
             <a:r>
-              <a:rPr lang="en-US" dirty="0" smtClean="0"/>
+              <a:rPr lang="en-US" dirty="0"/>
               <a:t>Please give us feedback regarding interface!</a:t>
             </a:r>
           </a:p>
@@ -13052,13 +12908,6 @@
   <p:clrMapOvr>
     <a:masterClrMapping/>
   </p:clrMapOvr>
-  <p:timing>
-    <p:tnLst>
-      <p:par>
-        <p:cTn id="1" dur="indefinite" restart="never" nodeType="tmRoot"/>
-      </p:par>
-    </p:tnLst>
-  </p:timing>
 </p:sld>
 </file>
 
@@ -13095,10 +12944,9 @@
           <a:lstStyle/>
           <a:p>
             <a:r>
-              <a:rPr lang="en-US" dirty="0" smtClean="0"/>
+              <a:rPr lang="en-US" dirty="0"/>
               <a:t>Thank You!</a:t>
             </a:r>
-            <a:endParaRPr lang="en-US" dirty="0"/>
           </a:p>
         </p:txBody>
       </p:sp>
@@ -13157,13 +13005,6 @@
   <p:clrMapOvr>
     <a:masterClrMapping/>
   </p:clrMapOvr>
-  <p:timing>
-    <p:tnLst>
-      <p:par>
-        <p:cTn id="1" dur="indefinite" restart="never" nodeType="tmRoot"/>
-      </p:par>
-    </p:tnLst>
-  </p:timing>
 </p:sld>
 </file>
 
@@ -13200,10 +13041,9 @@
           <a:lstStyle/>
           <a:p>
             <a:r>
-              <a:rPr lang="en-US" dirty="0" smtClean="0"/>
+              <a:rPr lang="en-US" dirty="0"/>
               <a:t>Input FASTA File</a:t>
             </a:r>
-            <a:endParaRPr lang="en-US" dirty="0"/>
           </a:p>
         </p:txBody>
       </p:sp>
@@ -13241,13 +13081,6 @@
   <p:clrMapOvr>
     <a:masterClrMapping/>
   </p:clrMapOvr>
-  <p:timing>
-    <p:tnLst>
-      <p:par>
-        <p:cTn id="1" dur="indefinite" restart="never" nodeType="tmRoot"/>
-      </p:par>
-    </p:tnLst>
-  </p:timing>
 </p:sld>
 </file>
 
@@ -13284,18 +13117,9 @@
           <a:lstStyle/>
           <a:p>
             <a:r>
-              <a:rPr lang="en-US" dirty="0" smtClean="0"/>
-              <a:t>Input </a:t>
-            </a:r>
-            <a:r>
-              <a:rPr lang="en-US" dirty="0" err="1" smtClean="0"/>
-              <a:t>mgf</a:t>
-            </a:r>
-            <a:r>
-              <a:rPr lang="en-US" dirty="0" smtClean="0"/>
-              <a:t> File</a:t>
-            </a:r>
-            <a:endParaRPr lang="en-US" dirty="0"/>
+              <a:rPr lang="en-US" dirty="0"/>
+              <a:t>Input MGF File</a:t>
+            </a:r>
           </a:p>
         </p:txBody>
       </p:sp>
@@ -13333,13 +13157,6 @@
   <p:clrMapOvr>
     <a:masterClrMapping/>
   </p:clrMapOvr>
-  <p:timing>
-    <p:tnLst>
-      <p:par>
-        <p:cTn id="1" dur="indefinite" restart="never" nodeType="tmRoot"/>
-      </p:par>
-    </p:tnLst>
-  </p:timing>
 </p:sld>
 </file>
 
@@ -13376,18 +13193,17 @@
           <a:lstStyle/>
           <a:p>
             <a:r>
-              <a:rPr lang="en-US" dirty="0" smtClean="0"/>
+              <a:rPr lang="en-US" dirty="0"/>
               <a:t>Output </a:t>
             </a:r>
             <a:r>
-              <a:rPr lang="en-US" dirty="0" err="1" smtClean="0"/>
+              <a:rPr lang="en-US" dirty="0" err="1"/>
               <a:t>Fasta</a:t>
             </a:r>
             <a:r>
-              <a:rPr lang="en-US" dirty="0" smtClean="0"/>
+              <a:rPr lang="en-US" dirty="0"/>
               <a:t> File</a:t>
             </a:r>
-            <a:endParaRPr lang="en-US" dirty="0"/>
           </a:p>
         </p:txBody>
       </p:sp>
@@ -13444,13 +13260,6 @@
   <p:clrMapOvr>
     <a:masterClrMapping/>
   </p:clrMapOvr>
-  <p:timing>
-    <p:tnLst>
-      <p:par>
-        <p:cTn id="1" dur="indefinite" restart="never" nodeType="tmRoot"/>
-      </p:par>
-    </p:tnLst>
-  </p:timing>
 </p:sld>
 </file>
 
@@ -13487,10 +13296,9 @@
           <a:lstStyle/>
           <a:p>
             <a:r>
-              <a:rPr lang="en-US" dirty="0" smtClean="0"/>
+              <a:rPr lang="en-US" dirty="0"/>
               <a:t>Demonstration of Program</a:t>
             </a:r>
-            <a:endParaRPr lang="en-US" dirty="0"/>
           </a:p>
         </p:txBody>
       </p:sp>
@@ -13527,13 +13335,6 @@
   <p:clrMapOvr>
     <a:masterClrMapping/>
   </p:clrMapOvr>
-  <p:timing>
-    <p:tnLst>
-      <p:par>
-        <p:cTn id="1" dur="indefinite" restart="never" nodeType="tmRoot"/>
-      </p:par>
-    </p:tnLst>
-  </p:timing>
 </p:sld>
 </file>
 
@@ -13570,47 +13371,46 @@
           <a:lstStyle/>
           <a:p>
             <a:r>
-              <a:rPr lang="en-US" dirty="0" smtClean="0"/>
+              <a:rPr lang="en-US" dirty="0"/>
               <a:t>Version Control</a:t>
             </a:r>
+          </a:p>
+        </p:txBody>
+      </p:sp>
+      <p:sp>
+        <p:nvSpPr>
+          <p:cNvPr id="3" name="Content Placeholder 2"/>
+          <p:cNvSpPr>
+            <a:spLocks noGrp="1"/>
+          </p:cNvSpPr>
+          <p:nvPr>
+            <p:ph idx="1"/>
+          </p:nvPr>
+        </p:nvSpPr>
+        <p:spPr/>
+        <p:txBody>
+          <a:bodyPr/>
+          <a:lstStyle/>
+          <a:p>
+            <a:r>
+              <a:rPr lang="en-US" dirty="0"/>
+              <a:t>Completed using Git</a:t>
+            </a:r>
+          </a:p>
+          <a:p>
+            <a:r>
+              <a:rPr lang="en-US" dirty="0"/>
+              <a:t>Allows simultaneous programming of different functionality</a:t>
+            </a:r>
+          </a:p>
+          <a:p>
+            <a:r>
+              <a:rPr lang="en-US" dirty="0"/>
+              <a:t>Maintains a history of all changes made in an online repository</a:t>
+            </a:r>
+          </a:p>
+          <a:p>
             <a:endParaRPr lang="en-US" dirty="0"/>
-          </a:p>
-        </p:txBody>
-      </p:sp>
-      <p:sp>
-        <p:nvSpPr>
-          <p:cNvPr id="3" name="Content Placeholder 2"/>
-          <p:cNvSpPr>
-            <a:spLocks noGrp="1"/>
-          </p:cNvSpPr>
-          <p:nvPr>
-            <p:ph idx="1"/>
-          </p:nvPr>
-        </p:nvSpPr>
-        <p:spPr/>
-        <p:txBody>
-          <a:bodyPr/>
-          <a:lstStyle/>
-          <a:p>
-            <a:r>
-              <a:rPr lang="en-US" dirty="0" smtClean="0"/>
-              <a:t>Completed using GIT</a:t>
-            </a:r>
-          </a:p>
-          <a:p>
-            <a:r>
-              <a:rPr lang="en-US" dirty="0" smtClean="0"/>
-              <a:t>Allows simultaneous programming of different functionality</a:t>
-            </a:r>
-          </a:p>
-          <a:p>
-            <a:r>
-              <a:rPr lang="en-US" dirty="0" smtClean="0"/>
-              <a:t>Maintains a history of all changes made in an online repository</a:t>
-            </a:r>
-          </a:p>
-          <a:p>
-            <a:endParaRPr lang="en-US" dirty="0" smtClean="0"/>
           </a:p>
           <a:p>
             <a:endParaRPr lang="en-US" dirty="0"/>
@@ -13651,13 +13451,6 @@
   <p:clrMapOvr>
     <a:masterClrMapping/>
   </p:clrMapOvr>
-  <p:timing>
-    <p:tnLst>
-      <p:par>
-        <p:cTn id="1" dur="indefinite" restart="never" nodeType="tmRoot"/>
-      </p:par>
-    </p:tnLst>
-  </p:timing>
 </p:sld>
 </file>
 
@@ -13694,10 +13487,9 @@
           <a:lstStyle/>
           <a:p>
             <a:r>
-              <a:rPr lang="en-US" dirty="0" smtClean="0"/>
+              <a:rPr lang="en-US" dirty="0"/>
               <a:t>Logic</a:t>
             </a:r>
-            <a:endParaRPr lang="en-US" dirty="0"/>
           </a:p>
         </p:txBody>
       </p:sp>
@@ -13717,34 +13509,22 @@
           <a:lstStyle/>
           <a:p>
             <a:r>
-              <a:rPr lang="en-US" dirty="0" smtClean="0"/>
+              <a:rPr lang="en-US" dirty="0"/>
               <a:t>Extract data from input </a:t>
             </a:r>
             <a:r>
-              <a:rPr lang="en-US" dirty="0" err="1" smtClean="0"/>
+              <a:rPr lang="en-US" dirty="0" err="1"/>
               <a:t>Fasta</a:t>
             </a:r>
             <a:r>
-              <a:rPr lang="en-US" dirty="0" smtClean="0"/>
-              <a:t> </a:t>
-            </a:r>
-            <a:r>
               <a:rPr lang="en-US" dirty="0"/>
-              <a:t>and </a:t>
-            </a:r>
-            <a:r>
-              <a:rPr lang="en-US" dirty="0" smtClean="0"/>
-              <a:t>MGF files</a:t>
-            </a:r>
-          </a:p>
-          <a:p>
-            <a:r>
-              <a:rPr lang="en-US" dirty="0" smtClean="0"/>
-              <a:t>Compute </a:t>
-            </a:r>
+              <a:t> and MGF files</a:t>
+            </a:r>
+          </a:p>
+          <a:p>
             <a:r>
               <a:rPr lang="en-US" dirty="0"/>
-              <a:t>all possible linear, cis and trans peptides</a:t>
+              <a:t>Compute all possible linear, cis and trans peptides</a:t>
             </a:r>
           </a:p>
           <a:p>
@@ -13770,18 +13550,17 @@
           </a:p>
           <a:p>
             <a:r>
-              <a:rPr lang="en-US" dirty="0" smtClean="0"/>
+              <a:rPr lang="en-US" dirty="0"/>
               <a:t>Write final output to </a:t>
             </a:r>
             <a:r>
-              <a:rPr lang="en-US" dirty="0" err="1" smtClean="0"/>
+              <a:rPr lang="en-US" dirty="0" err="1"/>
               <a:t>Fasta</a:t>
             </a:r>
             <a:r>
-              <a:rPr lang="en-US" dirty="0" smtClean="0"/>
+              <a:rPr lang="en-US" dirty="0"/>
               <a:t> File</a:t>
             </a:r>
-            <a:endParaRPr lang="en-US" dirty="0"/>
           </a:p>
         </p:txBody>
       </p:sp>
@@ -13795,13 +13574,6 @@
   <p:clrMapOvr>
     <a:masterClrMapping/>
   </p:clrMapOvr>
-  <p:timing>
-    <p:tnLst>
-      <p:par>
-        <p:cTn id="1" dur="indefinite" restart="never" nodeType="tmRoot"/>
-      </p:par>
-    </p:tnLst>
-  </p:timing>
 </p:sld>
 </file>
 
@@ -13838,10 +13610,9 @@
           <a:lstStyle/>
           <a:p>
             <a:r>
-              <a:rPr lang="en-US" dirty="0" smtClean="0"/>
+              <a:rPr lang="en-US" dirty="0"/>
               <a:t>Linear Splice Logic Example</a:t>
             </a:r>
-            <a:endParaRPr lang="en-US" dirty="0"/>
           </a:p>
         </p:txBody>
       </p:sp>
@@ -13868,7 +13639,7 @@
           <a:lstStyle/>
           <a:p>
             <a:r>
-              <a:rPr lang="en-US" smtClean="0"/>
+              <a:rPr lang="en-US"/>
               <a:t>Starting Protein: NEDLR</a:t>
             </a:r>
             <a:endParaRPr lang="en-US" dirty="0"/>
@@ -13898,10 +13669,9 @@
           <a:lstStyle/>
           <a:p>
             <a:r>
-              <a:rPr lang="en-US" dirty="0" smtClean="0"/>
+              <a:rPr lang="en-US" dirty="0"/>
               <a:t>NE</a:t>
             </a:r>
-            <a:endParaRPr lang="en-US" dirty="0"/>
           </a:p>
         </p:txBody>
       </p:sp>
@@ -13928,10 +13698,9 @@
           <a:lstStyle/>
           <a:p>
             <a:r>
-              <a:rPr lang="en-US" dirty="0" smtClean="0"/>
+              <a:rPr lang="en-US" dirty="0"/>
               <a:t>NED</a:t>
             </a:r>
-            <a:endParaRPr lang="en-US" dirty="0"/>
           </a:p>
         </p:txBody>
       </p:sp>
@@ -13958,10 +13727,9 @@
           <a:lstStyle/>
           <a:p>
             <a:r>
-              <a:rPr lang="en-US" dirty="0" smtClean="0"/>
+              <a:rPr lang="en-US" dirty="0"/>
               <a:t>NEDL</a:t>
             </a:r>
-            <a:endParaRPr lang="en-US" dirty="0"/>
           </a:p>
         </p:txBody>
       </p:sp>
@@ -13988,10 +13756,9 @@
           <a:lstStyle/>
           <a:p>
             <a:r>
-              <a:rPr lang="en-US" dirty="0" smtClean="0"/>
+              <a:rPr lang="en-US" dirty="0"/>
               <a:t>NEDLR</a:t>
             </a:r>
-            <a:endParaRPr lang="en-US" dirty="0"/>
           </a:p>
         </p:txBody>
       </p:sp>
@@ -14017,10 +13784,9 @@
           <a:lstStyle/>
           <a:p>
             <a:r>
-              <a:rPr lang="en-US" dirty="0" smtClean="0"/>
+              <a:rPr lang="en-US" dirty="0"/>
               <a:t>ED</a:t>
             </a:r>
-            <a:endParaRPr lang="en-US" dirty="0"/>
           </a:p>
         </p:txBody>
       </p:sp>
@@ -14046,10 +13812,9 @@
           <a:lstStyle/>
           <a:p>
             <a:r>
-              <a:rPr lang="en-US" dirty="0" smtClean="0"/>
+              <a:rPr lang="en-US" dirty="0"/>
               <a:t>EDL</a:t>
             </a:r>
-            <a:endParaRPr lang="en-US" dirty="0"/>
           </a:p>
         </p:txBody>
       </p:sp>
@@ -14075,10 +13840,9 @@
           <a:lstStyle/>
           <a:p>
             <a:r>
-              <a:rPr lang="en-US" dirty="0" smtClean="0"/>
+              <a:rPr lang="en-US" dirty="0"/>
               <a:t>EDLR</a:t>
             </a:r>
-            <a:endParaRPr lang="en-US" dirty="0"/>
           </a:p>
         </p:txBody>
       </p:sp>
@@ -14104,10 +13868,9 @@
           <a:lstStyle/>
           <a:p>
             <a:r>
-              <a:rPr lang="en-US" dirty="0" smtClean="0"/>
+              <a:rPr lang="en-US" dirty="0"/>
               <a:t>DL</a:t>
             </a:r>
-            <a:endParaRPr lang="en-US" dirty="0"/>
           </a:p>
         </p:txBody>
       </p:sp>
@@ -14133,10 +13896,9 @@
           <a:lstStyle/>
           <a:p>
             <a:r>
-              <a:rPr lang="en-US" dirty="0" smtClean="0"/>
+              <a:rPr lang="en-US" dirty="0"/>
               <a:t>DLR</a:t>
             </a:r>
-            <a:endParaRPr lang="en-US" dirty="0"/>
           </a:p>
         </p:txBody>
       </p:sp>
@@ -14162,10 +13924,9 @@
           <a:lstStyle/>
           <a:p>
             <a:r>
-              <a:rPr lang="en-US" dirty="0" smtClean="0"/>
+              <a:rPr lang="en-US" dirty="0"/>
               <a:t>LR</a:t>
             </a:r>
-            <a:endParaRPr lang="en-US" dirty="0"/>
           </a:p>
         </p:txBody>
       </p:sp>

--- a/MersProject/LabMeetingPresentation.pptx
+++ b/MersProject/LabMeetingPresentation.pptx
@@ -726,6 +726,90 @@
     <p:extLst>
       <p:ext uri="{BB962C8B-B14F-4D97-AF65-F5344CB8AC3E}">
         <p14:creationId xmlns:p14="http://schemas.microsoft.com/office/powerpoint/2010/main" val="1501050570"/>
+      </p:ext>
+    </p:extLst>
+  </p:cSld>
+  <p:clrMapOvr>
+    <a:masterClrMapping/>
+  </p:clrMapOvr>
+</p:notes>
+</file>
+
+<file path=ppt/notesSlides/notesSlide12.xml><?xml version="1.0" encoding="utf-8"?>
+<p:notes xmlns:a="http://schemas.openxmlformats.org/drawingml/2006/main" xmlns:r="http://schemas.openxmlformats.org/officeDocument/2006/relationships" xmlns:p="http://schemas.openxmlformats.org/presentationml/2006/main">
+  <p:cSld>
+    <p:spTree>
+      <p:nvGrpSpPr>
+        <p:cNvPr id="1" name=""/>
+        <p:cNvGrpSpPr/>
+        <p:nvPr/>
+      </p:nvGrpSpPr>
+      <p:grpSpPr>
+        <a:xfrm>
+          <a:off x="0" y="0"/>
+          <a:ext cx="0" cy="0"/>
+          <a:chOff x="0" y="0"/>
+          <a:chExt cx="0" cy="0"/>
+        </a:xfrm>
+      </p:grpSpPr>
+      <p:sp>
+        <p:nvSpPr>
+          <p:cNvPr id="2" name="Slide Image Placeholder 1"/>
+          <p:cNvSpPr>
+            <a:spLocks noGrp="1" noRot="1" noChangeAspect="1"/>
+          </p:cNvSpPr>
+          <p:nvPr>
+            <p:ph type="sldImg"/>
+          </p:nvPr>
+        </p:nvSpPr>
+        <p:spPr/>
+      </p:sp>
+      <p:sp>
+        <p:nvSpPr>
+          <p:cNvPr id="3" name="Notes Placeholder 2"/>
+          <p:cNvSpPr>
+            <a:spLocks noGrp="1"/>
+          </p:cNvSpPr>
+          <p:nvPr>
+            <p:ph type="body" idx="1"/>
+          </p:nvPr>
+        </p:nvSpPr>
+        <p:spPr/>
+        <p:txBody>
+          <a:bodyPr/>
+          <a:lstStyle/>
+          <a:p>
+            <a:endParaRPr lang="en-AU" dirty="0"/>
+          </a:p>
+        </p:txBody>
+      </p:sp>
+      <p:sp>
+        <p:nvSpPr>
+          <p:cNvPr id="4" name="Slide Number Placeholder 3"/>
+          <p:cNvSpPr>
+            <a:spLocks noGrp="1"/>
+          </p:cNvSpPr>
+          <p:nvPr>
+            <p:ph type="sldNum" sz="quarter" idx="10"/>
+          </p:nvPr>
+        </p:nvSpPr>
+        <p:spPr/>
+        <p:txBody>
+          <a:bodyPr/>
+          <a:lstStyle/>
+          <a:p>
+            <a:fld id="{7E9FF854-EBCF-BA4F-BEA7-33B6A492EBD7}" type="slidenum">
+              <a:rPr lang="en-US" smtClean="0"/>
+              <a:t>20</a:t>
+            </a:fld>
+            <a:endParaRPr lang="en-US"/>
+          </a:p>
+        </p:txBody>
+      </p:sp>
+    </p:spTree>
+    <p:extLst>
+      <p:ext uri="{BB962C8B-B14F-4D97-AF65-F5344CB8AC3E}">
+        <p14:creationId xmlns:p14="http://schemas.microsoft.com/office/powerpoint/2010/main" val="903099289"/>
       </p:ext>
     </p:extLst>
   </p:cSld>
@@ -10586,22 +10670,18 @@
           <a:p>
             <a:r>
               <a:rPr lang="en-US" dirty="0"/>
-              <a:t>Deletes all spliced peptides which don’t have a </a:t>
+              <a:t>Pass the peptides that have a matching </a:t>
             </a:r>
             <a:br>
               <a:rPr lang="en-US" dirty="0"/>
             </a:br>
             <a:r>
-              <a:rPr lang="en-US" dirty="0"/>
-              <a:t>matching </a:t>
-            </a:r>
-            <a:r>
               <a:rPr lang="en-US" dirty="0" err="1"/>
               <a:t>pepmass</a:t>
             </a:r>
             <a:r>
               <a:rPr lang="en-US" dirty="0"/>
-              <a:t> in the uploaded MGF Files</a:t>
+              <a:t> in the uploaded MGF Files to the next test.</a:t>
             </a:r>
           </a:p>
           <a:p>
@@ -10757,7 +10837,15 @@
           <a:p>
             <a:r>
               <a:rPr lang="en-US" dirty="0"/>
-              <a:t>Deleted peptides based on the number of b/y fragmented ions that appear in the spectrum.</a:t>
+              <a:t>Add peptides based on the number of b/y fragmented ions that appear in the spectrum to a new list which are then written to an output </a:t>
+            </a:r>
+            <a:r>
+              <a:rPr lang="en-US" dirty="0" err="1"/>
+              <a:t>fasta</a:t>
+            </a:r>
+            <a:r>
+              <a:rPr lang="en-US" dirty="0"/>
+              <a:t> file.</a:t>
             </a:r>
           </a:p>
           <a:p>
@@ -12713,6 +12801,32 @@
 <file path=ppt/slides/slide19.xml><?xml version="1.0" encoding="utf-8"?>
 <p:sld xmlns:a="http://schemas.openxmlformats.org/drawingml/2006/main" xmlns:r="http://schemas.openxmlformats.org/officeDocument/2006/relationships" xmlns:p="http://schemas.openxmlformats.org/presentationml/2006/main">
   <p:cSld>
+    <p:bg>
+      <p:bgPr>
+        <a:gradFill rotWithShape="1">
+          <a:gsLst>
+            <a:gs pos="0">
+              <a:schemeClr val="bg2">
+                <a:tint val="90000"/>
+                <a:satMod val="92000"/>
+                <a:lumMod val="120000"/>
+              </a:schemeClr>
+            </a:gs>
+            <a:gs pos="100000">
+              <a:schemeClr val="bg2">
+                <a:shade val="98000"/>
+                <a:satMod val="120000"/>
+                <a:lumMod val="98000"/>
+              </a:schemeClr>
+            </a:gs>
+          </a:gsLst>
+          <a:path path="circle">
+            <a:fillToRect l="50000" t="50000" r="100000" b="100000"/>
+          </a:path>
+        </a:gradFill>
+        <a:effectLst/>
+      </p:bgPr>
+    </p:bg>
     <p:spTree>
       <p:nvGrpSpPr>
         <p:cNvPr id="1" name=""/>
@@ -12727,6 +12841,66 @@
           <a:chExt cx="0" cy="0"/>
         </a:xfrm>
       </p:grpSpPr>
+      <p:sp useBgFill="1">
+        <p:nvSpPr>
+          <p:cNvPr id="71" name="Rectangle 70">
+            <a:extLst>
+              <a:ext uri="{FF2B5EF4-FFF2-40B4-BE49-F238E27FC236}">
+                <a16:creationId xmlns:a16="http://schemas.microsoft.com/office/drawing/2014/main" id="{1EDD21E1-BAF0-4314-AB31-82ECB8AC9EA9}"/>
+              </a:ext>
+              <a:ext uri="{C183D7F6-B498-43B3-948B-1728B52AA6E4}">
+                <adec:decorative xmlns:adec="http://schemas.microsoft.com/office/drawing/2017/decorative" val="1"/>
+              </a:ext>
+            </a:extLst>
+          </p:cNvPr>
+          <p:cNvSpPr>
+            <a:spLocks noGrp="1" noRot="1" noChangeAspect="1" noMove="1" noResize="1" noEditPoints="1" noAdjustHandles="1" noChangeArrowheads="1" noChangeShapeType="1" noTextEdit="1"/>
+          </p:cNvSpPr>
+          <p:nvPr>
+            <p:extLst>
+              <p:ext uri="{386F3935-93C4-4BCD-93E2-E3B085C9AB24}">
+                <p16:designElem xmlns:p16="http://schemas.microsoft.com/office/powerpoint/2015/main" val="1"/>
+              </p:ext>
+            </p:extLst>
+          </p:nvPr>
+        </p:nvSpPr>
+        <p:spPr>
+          <a:xfrm>
+            <a:off x="0" y="-786"/>
+            <a:ext cx="12192000" cy="6854038"/>
+          </a:xfrm>
+          <a:prstGeom prst="rect">
+            <a:avLst/>
+          </a:prstGeom>
+          <a:ln>
+            <a:noFill/>
+          </a:ln>
+        </p:spPr>
+        <p:style>
+          <a:lnRef idx="2">
+            <a:schemeClr val="accent1">
+              <a:shade val="50000"/>
+            </a:schemeClr>
+          </a:lnRef>
+          <a:fillRef idx="1">
+            <a:schemeClr val="accent1"/>
+          </a:fillRef>
+          <a:effectRef idx="0">
+            <a:schemeClr val="accent1"/>
+          </a:effectRef>
+          <a:fontRef idx="minor">
+            <a:schemeClr val="lt1"/>
+          </a:fontRef>
+        </p:style>
+        <p:txBody>
+          <a:bodyPr rtlCol="0" anchor="ctr"/>
+          <a:lstStyle/>
+          <a:p>
+            <a:pPr algn="ctr"/>
+            <a:endParaRPr lang="en-US"/>
+          </a:p>
+        </p:txBody>
+      </p:sp>
       <p:sp>
         <p:nvSpPr>
           <p:cNvPr id="2" name="Title 1"/>
@@ -12737,9 +12911,16 @@
             <p:ph type="title"/>
           </p:nvPr>
         </p:nvSpPr>
-        <p:spPr/>
-        <p:txBody>
-          <a:bodyPr/>
+        <p:spPr>
+          <a:xfrm>
+            <a:off x="649224" y="645106"/>
+            <a:ext cx="5122652" cy="1259894"/>
+          </a:xfrm>
+        </p:spPr>
+        <p:txBody>
+          <a:bodyPr>
+            <a:normAutofit/>
+          </a:bodyPr>
           <a:lstStyle/>
           <a:p>
             <a:r>
@@ -12751,6 +12932,60 @@
       </p:sp>
       <p:sp>
         <p:nvSpPr>
+          <p:cNvPr id="73" name="Rectangle 72">
+            <a:extLst>
+              <a:ext uri="{FF2B5EF4-FFF2-40B4-BE49-F238E27FC236}">
+                <a16:creationId xmlns:a16="http://schemas.microsoft.com/office/drawing/2014/main" id="{FDC8619C-F25D-468E-95FA-2A2151D7DDD2}"/>
+              </a:ext>
+              <a:ext uri="{C183D7F6-B498-43B3-948B-1728B52AA6E4}">
+                <adec:decorative xmlns:adec="http://schemas.microsoft.com/office/drawing/2017/decorative" val="1"/>
+              </a:ext>
+            </a:extLst>
+          </p:cNvPr>
+          <p:cNvSpPr>
+            <a:spLocks noGrp="1" noRot="1" noChangeAspect="1" noMove="1" noResize="1" noEditPoints="1" noAdjustHandles="1" noChangeArrowheads="1" noChangeShapeType="1" noTextEdit="1"/>
+          </p:cNvSpPr>
+          <p:nvPr>
+            <p:extLst>
+              <p:ext uri="{386F3935-93C4-4BCD-93E2-E3B085C9AB24}">
+                <p16:designElem xmlns:p16="http://schemas.microsoft.com/office/powerpoint/2015/main" val="1"/>
+              </p:ext>
+            </p:extLst>
+          </p:nvPr>
+        </p:nvSpPr>
+        <p:spPr>
+          <a:xfrm>
+            <a:off x="0" y="0"/>
+            <a:ext cx="182880" cy="6858000"/>
+          </a:xfrm>
+          <a:prstGeom prst="rect">
+            <a:avLst/>
+          </a:prstGeom>
+          <a:solidFill>
+            <a:schemeClr val="tx2"/>
+          </a:solidFill>
+          <a:ln>
+            <a:noFill/>
+          </a:ln>
+          <a:effectLst/>
+        </p:spPr>
+        <p:style>
+          <a:lnRef idx="1">
+            <a:schemeClr val="accent1"/>
+          </a:lnRef>
+          <a:fillRef idx="3">
+            <a:schemeClr val="accent1"/>
+          </a:fillRef>
+          <a:effectRef idx="2">
+            <a:schemeClr val="accent1"/>
+          </a:effectRef>
+          <a:fontRef idx="minor">
+            <a:schemeClr val="lt1"/>
+          </a:fontRef>
+        </p:style>
+      </p:sp>
+      <p:sp>
+        <p:nvSpPr>
           <p:cNvPr id="3" name="Content Placeholder 2"/>
           <p:cNvSpPr>
             <a:spLocks noGrp="1"/>
@@ -12759,9 +12994,16 @@
             <p:ph idx="1"/>
           </p:nvPr>
         </p:nvSpPr>
-        <p:spPr/>
-        <p:txBody>
-          <a:bodyPr/>
+        <p:spPr>
+          <a:xfrm>
+            <a:off x="649225" y="2133600"/>
+            <a:ext cx="5122652" cy="3759253"/>
+          </a:xfrm>
+        </p:spPr>
+        <p:txBody>
+          <a:bodyPr>
+            <a:normAutofit/>
+          </a:bodyPr>
           <a:lstStyle/>
           <a:p>
             <a:r>
@@ -12771,10 +13013,9 @@
           </a:p>
           <a:p>
             <a:r>
-              <a:rPr lang="en-US"/>
+              <a:rPr lang="en-US" dirty="0"/>
               <a:t>Data analysis to test accuracy of output</a:t>
             </a:r>
-            <a:endParaRPr lang="en-US" dirty="0"/>
           </a:p>
           <a:p>
             <a:r>
@@ -12795,6 +13036,270 @@
               <a:rPr lang="en-US" dirty="0"/>
               <a:t> research</a:t>
             </a:r>
+          </a:p>
+        </p:txBody>
+      </p:sp>
+      <p:pic>
+        <p:nvPicPr>
+          <p:cNvPr id="1026" name="Picture 2" descr="https://i.gyazo.com/333571adf20182455a1b361de2be385a.png">
+            <a:extLst>
+              <a:ext uri="{FF2B5EF4-FFF2-40B4-BE49-F238E27FC236}">
+                <a16:creationId xmlns:a16="http://schemas.microsoft.com/office/drawing/2014/main" id="{8C576163-2011-462F-8AC0-AE4E47DC622F}"/>
+              </a:ext>
+            </a:extLst>
+          </p:cNvPr>
+          <p:cNvPicPr>
+            <a:picLocks noChangeAspect="1" noChangeArrowheads="1"/>
+          </p:cNvPicPr>
+          <p:nvPr/>
+        </p:nvPicPr>
+        <p:blipFill>
+          <a:blip r:embed="rId2">
+            <a:extLst>
+              <a:ext uri="{28A0092B-C50C-407E-A947-70E740481C1C}">
+                <a14:useLocalDpi xmlns:a14="http://schemas.microsoft.com/office/drawing/2010/main" val="0"/>
+              </a:ext>
+            </a:extLst>
+          </a:blip>
+          <a:srcRect/>
+          <a:stretch>
+            <a:fillRect/>
+          </a:stretch>
+        </p:blipFill>
+        <p:spPr bwMode="auto">
+          <a:xfrm>
+            <a:off x="6096000" y="1013648"/>
+            <a:ext cx="5451627" cy="4879205"/>
+          </a:xfrm>
+          <a:prstGeom prst="rect">
+            <a:avLst/>
+          </a:prstGeom>
+          <a:noFill/>
+          <a:extLst>
+            <a:ext uri="{909E8E84-426E-40DD-AFC4-6F175D3DCCD1}">
+              <a14:hiddenFill xmlns:a14="http://schemas.microsoft.com/office/drawing/2010/main">
+                <a:solidFill>
+                  <a:srgbClr val="FFFFFF"/>
+                </a:solidFill>
+              </a14:hiddenFill>
+            </a:ext>
+          </a:extLst>
+        </p:spPr>
+      </p:pic>
+      <p:sp>
+        <p:nvSpPr>
+          <p:cNvPr id="75" name="Freeform 12">
+            <a:extLst>
+              <a:ext uri="{FF2B5EF4-FFF2-40B4-BE49-F238E27FC236}">
+                <a16:creationId xmlns:a16="http://schemas.microsoft.com/office/drawing/2014/main" id="{7D9439D6-DEAD-4CEB-A61B-BE3D64D1B598}"/>
+              </a:ext>
+              <a:ext uri="{C183D7F6-B498-43B3-948B-1728B52AA6E4}">
+                <adec:decorative xmlns:adec="http://schemas.microsoft.com/office/drawing/2017/decorative" val="1"/>
+              </a:ext>
+            </a:extLst>
+          </p:cNvPr>
+          <p:cNvSpPr>
+            <a:spLocks noGrp="1" noRot="1" noChangeAspect="1" noMove="1" noResize="1" noEditPoints="1" noAdjustHandles="1" noChangeArrowheads="1" noChangeShapeType="1" noTextEdit="1"/>
+          </p:cNvSpPr>
+          <p:nvPr>
+            <p:extLst>
+              <p:ext uri="{386F3935-93C4-4BCD-93E2-E3B085C9AB24}">
+                <p16:designElem xmlns:p16="http://schemas.microsoft.com/office/powerpoint/2015/main" val="1"/>
+              </p:ext>
+            </p:extLst>
+          </p:nvPr>
+        </p:nvSpPr>
+        <p:spPr>
+          <a:xfrm>
+            <a:off x="-1" y="6061223"/>
+            <a:ext cx="1038036" cy="506277"/>
+          </a:xfrm>
+          <a:custGeom>
+            <a:avLst/>
+            <a:gdLst>
+              <a:gd name="connsiteX0" fmla="*/ 0 w 1038036"/>
+              <a:gd name="connsiteY0" fmla="*/ 0 h 506277"/>
+              <a:gd name="connsiteX1" fmla="*/ 182880 w 1038036"/>
+              <a:gd name="connsiteY1" fmla="*/ 0 h 506277"/>
+              <a:gd name="connsiteX2" fmla="*/ 291705 w 1038036"/>
+              <a:gd name="connsiteY2" fmla="*/ 0 h 506277"/>
+              <a:gd name="connsiteX3" fmla="*/ 291705 w 1038036"/>
+              <a:gd name="connsiteY3" fmla="*/ 151 h 506277"/>
+              <a:gd name="connsiteX4" fmla="*/ 692049 w 1038036"/>
+              <a:gd name="connsiteY4" fmla="*/ 705 h 506277"/>
+              <a:gd name="connsiteX5" fmla="*/ 782744 w 1038036"/>
+              <a:gd name="connsiteY5" fmla="*/ 705 h 506277"/>
+              <a:gd name="connsiteX6" fmla="*/ 797001 w 1038036"/>
+              <a:gd name="connsiteY6" fmla="*/ 5473 h 506277"/>
+              <a:gd name="connsiteX7" fmla="*/ 801982 w 1038036"/>
+              <a:gd name="connsiteY7" fmla="*/ 10242 h 506277"/>
+              <a:gd name="connsiteX8" fmla="*/ 1030951 w 1038036"/>
+              <a:gd name="connsiteY8" fmla="*/ 239185 h 506277"/>
+              <a:gd name="connsiteX9" fmla="*/ 1030951 w 1038036"/>
+              <a:gd name="connsiteY9" fmla="*/ 267797 h 506277"/>
+              <a:gd name="connsiteX10" fmla="*/ 801982 w 1038036"/>
+              <a:gd name="connsiteY10" fmla="*/ 496740 h 506277"/>
+              <a:gd name="connsiteX11" fmla="*/ 797001 w 1038036"/>
+              <a:gd name="connsiteY11" fmla="*/ 501508 h 506277"/>
+              <a:gd name="connsiteX12" fmla="*/ 782744 w 1038036"/>
+              <a:gd name="connsiteY12" fmla="*/ 506277 h 506277"/>
+              <a:gd name="connsiteX13" fmla="*/ 692049 w 1038036"/>
+              <a:gd name="connsiteY13" fmla="*/ 506277 h 506277"/>
+              <a:gd name="connsiteX14" fmla="*/ 291705 w 1038036"/>
+              <a:gd name="connsiteY14" fmla="*/ 505140 h 506277"/>
+              <a:gd name="connsiteX15" fmla="*/ 291705 w 1038036"/>
+              <a:gd name="connsiteY15" fmla="*/ 506277 h 506277"/>
+              <a:gd name="connsiteX16" fmla="*/ 0 w 1038036"/>
+              <a:gd name="connsiteY16" fmla="*/ 506277 h 506277"/>
+            </a:gdLst>
+            <a:ahLst/>
+            <a:cxnLst>
+              <a:cxn ang="0">
+                <a:pos x="connsiteX0" y="connsiteY0"/>
+              </a:cxn>
+              <a:cxn ang="0">
+                <a:pos x="connsiteX1" y="connsiteY1"/>
+              </a:cxn>
+              <a:cxn ang="0">
+                <a:pos x="connsiteX2" y="connsiteY2"/>
+              </a:cxn>
+              <a:cxn ang="0">
+                <a:pos x="connsiteX3" y="connsiteY3"/>
+              </a:cxn>
+              <a:cxn ang="0">
+                <a:pos x="connsiteX4" y="connsiteY4"/>
+              </a:cxn>
+              <a:cxn ang="0">
+                <a:pos x="connsiteX5" y="connsiteY5"/>
+              </a:cxn>
+              <a:cxn ang="0">
+                <a:pos x="connsiteX6" y="connsiteY6"/>
+              </a:cxn>
+              <a:cxn ang="0">
+                <a:pos x="connsiteX7" y="connsiteY7"/>
+              </a:cxn>
+              <a:cxn ang="0">
+                <a:pos x="connsiteX8" y="connsiteY8"/>
+              </a:cxn>
+              <a:cxn ang="0">
+                <a:pos x="connsiteX9" y="connsiteY9"/>
+              </a:cxn>
+              <a:cxn ang="0">
+                <a:pos x="connsiteX10" y="connsiteY10"/>
+              </a:cxn>
+              <a:cxn ang="0">
+                <a:pos x="connsiteX11" y="connsiteY11"/>
+              </a:cxn>
+              <a:cxn ang="0">
+                <a:pos x="connsiteX12" y="connsiteY12"/>
+              </a:cxn>
+              <a:cxn ang="0">
+                <a:pos x="connsiteX13" y="connsiteY13"/>
+              </a:cxn>
+              <a:cxn ang="0">
+                <a:pos x="connsiteX14" y="connsiteY14"/>
+              </a:cxn>
+              <a:cxn ang="0">
+                <a:pos x="connsiteX15" y="connsiteY15"/>
+              </a:cxn>
+              <a:cxn ang="0">
+                <a:pos x="connsiteX16" y="connsiteY16"/>
+              </a:cxn>
+            </a:cxnLst>
+            <a:rect l="l" t="t" r="r" b="b"/>
+            <a:pathLst>
+              <a:path w="1038036" h="506277">
+                <a:moveTo>
+                  <a:pt x="0" y="0"/>
+                </a:moveTo>
+                <a:lnTo>
+                  <a:pt x="182880" y="0"/>
+                </a:lnTo>
+                <a:lnTo>
+                  <a:pt x="291705" y="0"/>
+                </a:lnTo>
+                <a:lnTo>
+                  <a:pt x="291705" y="151"/>
+                </a:lnTo>
+                <a:lnTo>
+                  <a:pt x="692049" y="705"/>
+                </a:lnTo>
+                <a:lnTo>
+                  <a:pt x="782744" y="705"/>
+                </a:lnTo>
+                <a:cubicBezTo>
+                  <a:pt x="787553" y="705"/>
+                  <a:pt x="792363" y="5473"/>
+                  <a:pt x="797001" y="5473"/>
+                </a:cubicBezTo>
+                <a:cubicBezTo>
+                  <a:pt x="797001" y="10242"/>
+                  <a:pt x="801982" y="10242"/>
+                  <a:pt x="801982" y="10242"/>
+                </a:cubicBezTo>
+                <a:lnTo>
+                  <a:pt x="1030951" y="239185"/>
+                </a:lnTo>
+                <a:cubicBezTo>
+                  <a:pt x="1040398" y="248722"/>
+                  <a:pt x="1040398" y="258259"/>
+                  <a:pt x="1030951" y="267797"/>
+                </a:cubicBezTo>
+                <a:lnTo>
+                  <a:pt x="801982" y="496740"/>
+                </a:lnTo>
+                <a:cubicBezTo>
+                  <a:pt x="800436" y="498363"/>
+                  <a:pt x="798547" y="499885"/>
+                  <a:pt x="797001" y="501508"/>
+                </a:cubicBezTo>
+                <a:cubicBezTo>
+                  <a:pt x="792363" y="506277"/>
+                  <a:pt x="787553" y="506277"/>
+                  <a:pt x="782744" y="506277"/>
+                </a:cubicBezTo>
+                <a:lnTo>
+                  <a:pt x="692049" y="506277"/>
+                </a:lnTo>
+                <a:lnTo>
+                  <a:pt x="291705" y="505140"/>
+                </a:lnTo>
+                <a:lnTo>
+                  <a:pt x="291705" y="506277"/>
+                </a:lnTo>
+                <a:lnTo>
+                  <a:pt x="0" y="506277"/>
+                </a:lnTo>
+                <a:close/>
+              </a:path>
+            </a:pathLst>
+          </a:custGeom>
+          <a:ln>
+            <a:noFill/>
+          </a:ln>
+        </p:spPr>
+        <p:style>
+          <a:lnRef idx="2">
+            <a:schemeClr val="accent1">
+              <a:shade val="50000"/>
+            </a:schemeClr>
+          </a:lnRef>
+          <a:fillRef idx="1">
+            <a:schemeClr val="accent1"/>
+          </a:fillRef>
+          <a:effectRef idx="0">
+            <a:schemeClr val="accent1"/>
+          </a:effectRef>
+          <a:fontRef idx="minor">
+            <a:schemeClr val="lt1"/>
+          </a:fontRef>
+        </p:style>
+        <p:txBody>
+          <a:bodyPr rtlCol="0" anchor="ctr"/>
+          <a:lstStyle/>
+          <a:p>
+            <a:pPr algn="ctr"/>
+            <a:endParaRPr lang="en-US"/>
           </a:p>
         </p:txBody>
       </p:sp>
@@ -12965,6 +13470,16 @@
           <a:bodyPr/>
           <a:lstStyle/>
           <a:p>
+            <a:r>
+              <a:rPr lang="en-US" dirty="0"/>
+              <a:t>Nathan</a:t>
+            </a:r>
+          </a:p>
+          <a:p>
+            <a:r>
+              <a:rPr lang="en-US" dirty="0" err="1"/>
+              <a:t>Pouya</a:t>
+            </a:r>
             <a:endParaRPr lang="en-US" dirty="0"/>
           </a:p>
         </p:txBody>
@@ -13317,12 +13832,59 @@
         </p:blipFill>
         <p:spPr>
           <a:xfrm>
-            <a:off x="2592926" y="1564758"/>
+            <a:off x="6762308" y="1592040"/>
             <a:ext cx="4169382" cy="4641850"/>
           </a:xfrm>
           <a:prstGeom prst="rect">
             <a:avLst/>
           </a:prstGeom>
+        </p:spPr>
+      </p:pic>
+      <p:pic>
+        <p:nvPicPr>
+          <p:cNvPr id="2050" name="Picture 2" descr="https://i.gyazo.com/542d3957a0d9dd2ab6c7b49dc8307757.png">
+            <a:extLst>
+              <a:ext uri="{FF2B5EF4-FFF2-40B4-BE49-F238E27FC236}">
+                <a16:creationId xmlns:a16="http://schemas.microsoft.com/office/drawing/2014/main" id="{028F654B-B13C-4BC4-A20A-EB316C04ABCD}"/>
+              </a:ext>
+            </a:extLst>
+          </p:cNvPr>
+          <p:cNvPicPr>
+            <a:picLocks noChangeAspect="1" noChangeArrowheads="1"/>
+          </p:cNvPicPr>
+          <p:nvPr/>
+        </p:nvPicPr>
+        <p:blipFill>
+          <a:blip r:embed="rId4">
+            <a:extLst>
+              <a:ext uri="{28A0092B-C50C-407E-A947-70E740481C1C}">
+                <a14:useLocalDpi xmlns:a14="http://schemas.microsoft.com/office/drawing/2010/main" val="0"/>
+              </a:ext>
+            </a:extLst>
+          </a:blip>
+          <a:srcRect/>
+          <a:stretch>
+            <a:fillRect/>
+          </a:stretch>
+        </p:blipFill>
+        <p:spPr bwMode="auto">
+          <a:xfrm>
+            <a:off x="2233083" y="1592040"/>
+            <a:ext cx="3390900" cy="4819650"/>
+          </a:xfrm>
+          <a:prstGeom prst="rect">
+            <a:avLst/>
+          </a:prstGeom>
+          <a:noFill/>
+          <a:extLst>
+            <a:ext uri="{909E8E84-426E-40DD-AFC4-6F175D3DCCD1}">
+              <a14:hiddenFill xmlns:a14="http://schemas.microsoft.com/office/drawing/2010/main">
+                <a:solidFill>
+                  <a:srgbClr val="FFFFFF"/>
+                </a:solidFill>
+              </a14:hiddenFill>
+            </a:ext>
+          </a:extLst>
         </p:spPr>
       </p:pic>
     </p:spTree>
